--- a/01books/KubernetesInAction/Chapter3/k8s学习分享第二周.pptx
+++ b/01books/KubernetesInAction/Chapter3/k8s学习分享第二周.pptx
@@ -2,7 +2,7 @@
 <file path=ppt/presentation.xml><?xml version="1.0" encoding="utf-8"?>
 <p:presentation xmlns:a="http://schemas.openxmlformats.org/drawingml/2006/main" xmlns:r="http://schemas.openxmlformats.org/officeDocument/2006/relationships" xmlns:p="http://schemas.openxmlformats.org/presentationml/2006/main" showSpecialPlsOnTitleSld="0">
   <p:sldMasterIdLst>
-    <p:sldMasterId id="2147483648" r:id="rId1"/>
+    <p:sldMasterId id="2147483678" r:id="rId1"/>
   </p:sldMasterIdLst>
   <p:notesMasterIdLst>
     <p:notesMasterId r:id="rId15"/>
@@ -29,9 +29,9 @@
   <p:notesSz cx="6797675" cy="9928225"/>
   <p:defaultTextStyle>
     <a:defPPr>
-      <a:defRPr lang="zh-CN"/>
+      <a:defRPr lang="en-US"/>
     </a:defPPr>
-    <a:lvl1pPr marL="0" algn="l" defTabSz="914400" rtl="0" eaLnBrk="1" latinLnBrk="0" hangingPunct="1">
+    <a:lvl1pPr marL="0" algn="l" defTabSz="457200" rtl="0" eaLnBrk="1" latinLnBrk="0" hangingPunct="1">
       <a:defRPr sz="1800" kern="1200">
         <a:solidFill>
           <a:schemeClr val="tx1"/>
@@ -41,7 +41,7 @@
         <a:cs typeface="+mn-cs"/>
       </a:defRPr>
     </a:lvl1pPr>
-    <a:lvl2pPr marL="457200" algn="l" defTabSz="914400" rtl="0" eaLnBrk="1" latinLnBrk="0" hangingPunct="1">
+    <a:lvl2pPr marL="457200" algn="l" defTabSz="457200" rtl="0" eaLnBrk="1" latinLnBrk="0" hangingPunct="1">
       <a:defRPr sz="1800" kern="1200">
         <a:solidFill>
           <a:schemeClr val="tx1"/>
@@ -51,7 +51,7 @@
         <a:cs typeface="+mn-cs"/>
       </a:defRPr>
     </a:lvl2pPr>
-    <a:lvl3pPr marL="914400" algn="l" defTabSz="914400" rtl="0" eaLnBrk="1" latinLnBrk="0" hangingPunct="1">
+    <a:lvl3pPr marL="914400" algn="l" defTabSz="457200" rtl="0" eaLnBrk="1" latinLnBrk="0" hangingPunct="1">
       <a:defRPr sz="1800" kern="1200">
         <a:solidFill>
           <a:schemeClr val="tx1"/>
@@ -61,7 +61,7 @@
         <a:cs typeface="+mn-cs"/>
       </a:defRPr>
     </a:lvl3pPr>
-    <a:lvl4pPr marL="1371600" algn="l" defTabSz="914400" rtl="0" eaLnBrk="1" latinLnBrk="0" hangingPunct="1">
+    <a:lvl4pPr marL="1371600" algn="l" defTabSz="457200" rtl="0" eaLnBrk="1" latinLnBrk="0" hangingPunct="1">
       <a:defRPr sz="1800" kern="1200">
         <a:solidFill>
           <a:schemeClr val="tx1"/>
@@ -71,7 +71,7 @@
         <a:cs typeface="+mn-cs"/>
       </a:defRPr>
     </a:lvl4pPr>
-    <a:lvl5pPr marL="1828800" algn="l" defTabSz="914400" rtl="0" eaLnBrk="1" latinLnBrk="0" hangingPunct="1">
+    <a:lvl5pPr marL="1828800" algn="l" defTabSz="457200" rtl="0" eaLnBrk="1" latinLnBrk="0" hangingPunct="1">
       <a:defRPr sz="1800" kern="1200">
         <a:solidFill>
           <a:schemeClr val="tx1"/>
@@ -81,7 +81,7 @@
         <a:cs typeface="+mn-cs"/>
       </a:defRPr>
     </a:lvl5pPr>
-    <a:lvl6pPr marL="2286000" algn="l" defTabSz="914400" rtl="0" eaLnBrk="1" latinLnBrk="0" hangingPunct="1">
+    <a:lvl6pPr marL="2286000" algn="l" defTabSz="457200" rtl="0" eaLnBrk="1" latinLnBrk="0" hangingPunct="1">
       <a:defRPr sz="1800" kern="1200">
         <a:solidFill>
           <a:schemeClr val="tx1"/>
@@ -91,7 +91,7 @@
         <a:cs typeface="+mn-cs"/>
       </a:defRPr>
     </a:lvl6pPr>
-    <a:lvl7pPr marL="2743200" algn="l" defTabSz="914400" rtl="0" eaLnBrk="1" latinLnBrk="0" hangingPunct="1">
+    <a:lvl7pPr marL="2743200" algn="l" defTabSz="457200" rtl="0" eaLnBrk="1" latinLnBrk="0" hangingPunct="1">
       <a:defRPr sz="1800" kern="1200">
         <a:solidFill>
           <a:schemeClr val="tx1"/>
@@ -101,7 +101,7 @@
         <a:cs typeface="+mn-cs"/>
       </a:defRPr>
     </a:lvl7pPr>
-    <a:lvl8pPr marL="3200400" algn="l" defTabSz="914400" rtl="0" eaLnBrk="1" latinLnBrk="0" hangingPunct="1">
+    <a:lvl8pPr marL="3200400" algn="l" defTabSz="457200" rtl="0" eaLnBrk="1" latinLnBrk="0" hangingPunct="1">
       <a:defRPr sz="1800" kern="1200">
         <a:solidFill>
           <a:schemeClr val="tx1"/>
@@ -111,7 +111,7 @@
         <a:cs typeface="+mn-cs"/>
       </a:defRPr>
     </a:lvl8pPr>
-    <a:lvl9pPr marL="3657600" algn="l" defTabSz="914400" rtl="0" eaLnBrk="1" latinLnBrk="0" hangingPunct="1">
+    <a:lvl9pPr marL="3657600" algn="l" defTabSz="457200" rtl="0" eaLnBrk="1" latinLnBrk="0" hangingPunct="1">
       <a:defRPr sz="1800" kern="1200">
         <a:solidFill>
           <a:schemeClr val="tx1"/>
@@ -251,7 +251,7 @@
           <a:p>
             <a:fld id="{70F5438A-A001-4002-96F4-1166B6F28AE6}" type="datetimeFigureOut">
               <a:rPr lang="zh-CN" altLang="en-US" smtClean="0"/>
-              <a:t>2020/4/21</a:t>
+              <a:t>2020/6/2</a:t>
             </a:fld>
             <a:endParaRPr lang="zh-CN" altLang="en-US"/>
           </a:p>
@@ -416,7 +416,7 @@
           <a:p>
             <a:fld id="{A1C5D274-7E00-460F-9E0E-0BC16AAECDA0}" type="datetimeFigureOut">
               <a:rPr lang="zh-CN" altLang="en-US" smtClean="0"/>
-              <a:t>2020/4/21</a:t>
+              <a:t>2020/6/2</a:t>
             </a:fld>
             <a:endParaRPr lang="zh-CN" altLang="en-US"/>
           </a:p>
@@ -1250,7 +1250,7 @@
 
 <file path=ppt/slideLayouts/slideLayout1.xml><?xml version="1.0" encoding="utf-8"?>
 <p:sldLayout xmlns:a="http://schemas.openxmlformats.org/drawingml/2006/main" xmlns:r="http://schemas.openxmlformats.org/officeDocument/2006/relationships" xmlns:p="http://schemas.openxmlformats.org/presentationml/2006/main" type="title" preserve="1">
-  <p:cSld name="3_标题幻灯片">
+  <p:cSld name="标题幻灯片">
     <p:spTree>
       <p:nvGrpSpPr>
         <p:cNvPr id="1" name=""/>
@@ -1265,145 +1265,206 @@
           <a:chExt cx="0" cy="0"/>
         </a:xfrm>
       </p:grpSpPr>
-      <p:pic>
-        <p:nvPicPr>
-          <p:cNvPr id="4" name="Picture 2" descr="D:\工作\2016\vi\矢量智能对象.png"/>
-          <p:cNvPicPr>
-            <a:picLocks noChangeAspect="1" noChangeArrowheads="1"/>
-          </p:cNvPicPr>
-          <p:nvPr/>
-        </p:nvPicPr>
-        <p:blipFill>
-          <a:blip r:embed="rId2">
-            <a:extLst>
-              <a:ext uri="{28A0092B-C50C-407E-A947-70E740481C1C}">
-                <a14:useLocalDpi xmlns:a14="http://schemas.microsoft.com/office/drawing/2010/main" val="0"/>
-              </a:ext>
-            </a:extLst>
-          </a:blip>
-          <a:srcRect/>
-          <a:stretch>
-            <a:fillRect/>
-          </a:stretch>
-        </p:blipFill>
-        <p:spPr bwMode="auto">
+      <p:sp>
+        <p:nvSpPr>
+          <p:cNvPr id="2" name="Title 1"/>
+          <p:cNvSpPr>
+            <a:spLocks noGrp="1"/>
+          </p:cNvSpPr>
+          <p:nvPr>
+            <p:ph type="ctrTitle"/>
+          </p:nvPr>
+        </p:nvSpPr>
+        <p:spPr>
           <a:xfrm>
-            <a:off x="8685213" y="254000"/>
-            <a:ext cx="1681162" cy="258763"/>
+            <a:off x="2417779" y="802298"/>
+            <a:ext cx="8637073" cy="2541431"/>
           </a:xfrm>
-          <a:prstGeom prst="rect">
-            <a:avLst/>
-          </a:prstGeom>
-          <a:noFill/>
-          <a:ln>
-            <a:noFill/>
-          </a:ln>
-          <a:extLst>
-            <a:ext uri="{909E8E84-426E-40DD-AFC4-6F175D3DCCD1}">
-              <a14:hiddenFill xmlns:a14="http://schemas.microsoft.com/office/drawing/2010/main">
+        </p:spPr>
+        <p:txBody>
+          <a:bodyPr bIns="0" anchor="b">
+            <a:normAutofit/>
+          </a:bodyPr>
+          <a:lstStyle>
+            <a:lvl1pPr algn="l">
+              <a:defRPr sz="6600"/>
+            </a:lvl1pPr>
+          </a:lstStyle>
+          <a:p>
+            <a:r>
+              <a:rPr lang="zh-CN" altLang="en-US"/>
+              <a:t>单击此处编辑母版标题样式</a:t>
+            </a:r>
+            <a:endParaRPr lang="en-US" dirty="0"/>
+          </a:p>
+        </p:txBody>
+      </p:sp>
+      <p:sp>
+        <p:nvSpPr>
+          <p:cNvPr id="3" name="Subtitle 2"/>
+          <p:cNvSpPr>
+            <a:spLocks noGrp="1"/>
+          </p:cNvSpPr>
+          <p:nvPr>
+            <p:ph type="subTitle" idx="1"/>
+          </p:nvPr>
+        </p:nvSpPr>
+        <p:spPr>
+          <a:xfrm>
+            <a:off x="2417780" y="3531204"/>
+            <a:ext cx="8637072" cy="977621"/>
+          </a:xfrm>
+        </p:spPr>
+        <p:txBody>
+          <a:bodyPr tIns="91440" bIns="91440">
+            <a:normAutofit/>
+          </a:bodyPr>
+          <a:lstStyle>
+            <a:lvl1pPr marL="0" indent="0" algn="l">
+              <a:buNone/>
+              <a:defRPr sz="1800" b="0" cap="all" baseline="0">
                 <a:solidFill>
-                  <a:srgbClr val="FFFFFF"/>
+                  <a:schemeClr val="tx1"/>
                 </a:solidFill>
-              </a14:hiddenFill>
-            </a:ext>
-            <a:ext uri="{91240B29-F687-4F45-9708-019B960494DF}">
-              <a14:hiddenLine xmlns:a14="http://schemas.microsoft.com/office/drawing/2010/main" w="9525">
-                <a:solidFill>
-                  <a:srgbClr val="000000"/>
-                </a:solidFill>
-                <a:miter lim="800000"/>
-                <a:headEnd/>
-                <a:tailEnd/>
-              </a14:hiddenLine>
-            </a:ext>
-          </a:extLst>
+              </a:defRPr>
+            </a:lvl1pPr>
+            <a:lvl2pPr marL="457200" indent="0" algn="ctr">
+              <a:buNone/>
+              <a:defRPr sz="1800"/>
+            </a:lvl2pPr>
+            <a:lvl3pPr marL="914400" indent="0" algn="ctr">
+              <a:buNone/>
+              <a:defRPr sz="1800"/>
+            </a:lvl3pPr>
+            <a:lvl4pPr marL="1371600" indent="0" algn="ctr">
+              <a:buNone/>
+              <a:defRPr sz="1600"/>
+            </a:lvl4pPr>
+            <a:lvl5pPr marL="1828800" indent="0" algn="ctr">
+              <a:buNone/>
+              <a:defRPr sz="1600"/>
+            </a:lvl5pPr>
+            <a:lvl6pPr marL="2286000" indent="0" algn="ctr">
+              <a:buNone/>
+              <a:defRPr sz="1600"/>
+            </a:lvl6pPr>
+            <a:lvl7pPr marL="2743200" indent="0" algn="ctr">
+              <a:buNone/>
+              <a:defRPr sz="1600"/>
+            </a:lvl7pPr>
+            <a:lvl8pPr marL="3200400" indent="0" algn="ctr">
+              <a:buNone/>
+              <a:defRPr sz="1600"/>
+            </a:lvl8pPr>
+            <a:lvl9pPr marL="3657600" indent="0" algn="ctr">
+              <a:buNone/>
+              <a:defRPr sz="1600"/>
+            </a:lvl9pPr>
+          </a:lstStyle>
+          <a:p>
+            <a:r>
+              <a:rPr lang="zh-CN" altLang="en-US"/>
+              <a:t>单击此处编辑母版副标题样式</a:t>
+            </a:r>
+            <a:endParaRPr lang="en-US" dirty="0"/>
+          </a:p>
+        </p:txBody>
+      </p:sp>
+      <p:sp>
+        <p:nvSpPr>
+          <p:cNvPr id="4" name="Date Placeholder 3"/>
+          <p:cNvSpPr>
+            <a:spLocks noGrp="1"/>
+          </p:cNvSpPr>
+          <p:nvPr>
+            <p:ph type="dt" sz="half" idx="10"/>
+          </p:nvPr>
+        </p:nvSpPr>
+        <p:spPr/>
+        <p:txBody>
+          <a:bodyPr/>
+          <a:lstStyle/>
+          <a:p>
+            <a:endParaRPr lang="zh-CN" altLang="en-US"/>
+          </a:p>
+        </p:txBody>
+      </p:sp>
+      <p:sp>
+        <p:nvSpPr>
+          <p:cNvPr id="5" name="Footer Placeholder 4"/>
+          <p:cNvSpPr>
+            <a:spLocks noGrp="1"/>
+          </p:cNvSpPr>
+          <p:nvPr>
+            <p:ph type="ftr" sz="quarter" idx="11"/>
+          </p:nvPr>
+        </p:nvSpPr>
+        <p:spPr>
+          <a:xfrm>
+            <a:off x="2416500" y="329307"/>
+            <a:ext cx="4973915" cy="309201"/>
+          </a:xfrm>
         </p:spPr>
-      </p:pic>
-      <p:pic>
-        <p:nvPicPr>
-          <p:cNvPr id="5" name="Picture 3" descr="D:\工作\2016\vi\图层-2.png"/>
-          <p:cNvPicPr>
-            <a:picLocks noChangeAspect="1" noChangeArrowheads="1"/>
-          </p:cNvPicPr>
-          <p:nvPr/>
-        </p:nvPicPr>
-        <p:blipFill>
-          <a:blip r:embed="rId3">
-            <a:extLst>
-              <a:ext uri="{28A0092B-C50C-407E-A947-70E740481C1C}">
-                <a14:useLocalDpi xmlns:a14="http://schemas.microsoft.com/office/drawing/2010/main" val="0"/>
-              </a:ext>
-            </a:extLst>
-          </a:blip>
-          <a:srcRect/>
-          <a:stretch>
-            <a:fillRect/>
-          </a:stretch>
-        </p:blipFill>
-        <p:spPr bwMode="auto">
+        <p:txBody>
+          <a:bodyPr/>
+          <a:lstStyle/>
+          <a:p>
+            <a:endParaRPr lang="zh-CN" altLang="en-US"/>
+          </a:p>
+        </p:txBody>
+      </p:sp>
+      <p:sp>
+        <p:nvSpPr>
+          <p:cNvPr id="6" name="Slide Number Placeholder 5"/>
+          <p:cNvSpPr>
+            <a:spLocks noGrp="1"/>
+          </p:cNvSpPr>
+          <p:nvPr>
+            <p:ph type="sldNum" sz="quarter" idx="12"/>
+          </p:nvPr>
+        </p:nvSpPr>
+        <p:spPr>
           <a:xfrm>
-            <a:off x="10499725" y="166688"/>
-            <a:ext cx="649288" cy="433387"/>
+            <a:off x="1437664" y="798973"/>
+            <a:ext cx="811019" cy="503578"/>
           </a:xfrm>
-          <a:prstGeom prst="rect">
-            <a:avLst/>
-          </a:prstGeom>
-          <a:noFill/>
-          <a:ln>
-            <a:noFill/>
-          </a:ln>
-          <a:extLst>
-            <a:ext uri="{909E8E84-426E-40DD-AFC4-6F175D3DCCD1}">
-              <a14:hiddenFill xmlns:a14="http://schemas.microsoft.com/office/drawing/2010/main">
-                <a:solidFill>
-                  <a:srgbClr val="FFFFFF"/>
-                </a:solidFill>
-              </a14:hiddenFill>
-            </a:ext>
-            <a:ext uri="{91240B29-F687-4F45-9708-019B960494DF}">
-              <a14:hiddenLine xmlns:a14="http://schemas.microsoft.com/office/drawing/2010/main" w="9525">
-                <a:solidFill>
-                  <a:srgbClr val="000000"/>
-                </a:solidFill>
-                <a:miter lim="800000"/>
-                <a:headEnd/>
-                <a:tailEnd/>
-              </a14:hiddenLine>
-            </a:ext>
-          </a:extLst>
         </p:spPr>
-      </p:pic>
+        <p:txBody>
+          <a:bodyPr/>
+          <a:lstStyle/>
+          <a:p>
+            <a:fld id="{76A5C077-CD5E-4BED-A3AA-82686853085F}" type="slidenum">
+              <a:rPr lang="en-US" altLang="zh-CN" smtClean="0"/>
+              <a:t>‹#›</a:t>
+            </a:fld>
+            <a:endParaRPr lang="en-US" dirty="0"/>
+          </a:p>
+        </p:txBody>
+      </p:sp>
       <p:cxnSp>
         <p:nvCxnSpPr>
-          <p:cNvPr id="6" name="直接连接符 5"/>
+          <p:cNvPr id="15" name="Straight Connector 14"/>
           <p:cNvCxnSpPr/>
           <p:nvPr/>
         </p:nvCxnSpPr>
         <p:spPr>
           <a:xfrm>
-            <a:off x="4095750" y="3562350"/>
-            <a:ext cx="7048500" cy="1588"/>
+            <a:off x="2417780" y="3528542"/>
+            <a:ext cx="8637072" cy="0"/>
           </a:xfrm>
           <a:prstGeom prst="line">
             <a:avLst/>
           </a:prstGeom>
-          <a:ln>
-            <a:solidFill>
-              <a:schemeClr val="bg1">
-                <a:lumMod val="75000"/>
-              </a:schemeClr>
-            </a:solidFill>
-            <a:prstDash val="dash"/>
-          </a:ln>
+          <a:ln w="31750"/>
         </p:spPr>
         <p:style>
-          <a:lnRef idx="1">
+          <a:lnRef idx="3">
             <a:schemeClr val="accent1"/>
           </a:lnRef>
           <a:fillRef idx="0">
             <a:schemeClr val="accent1"/>
           </a:fillRef>
-          <a:effectRef idx="0">
+          <a:effectRef idx="2">
             <a:schemeClr val="accent1"/>
           </a:effectRef>
           <a:fontRef idx="minor">
@@ -1411,216 +1472,115 @@
           </a:fontRef>
         </p:style>
       </p:cxnSp>
-      <p:pic>
-        <p:nvPicPr>
-          <p:cNvPr id="7" name="Picture 2" descr="E:\未标题-2.png"/>
-          <p:cNvPicPr>
-            <a:picLocks noChangeAspect="1" noChangeArrowheads="1"/>
-          </p:cNvPicPr>
-          <p:nvPr/>
-        </p:nvPicPr>
-        <p:blipFill>
-          <a:blip r:embed="rId4">
-            <a:extLst>
-              <a:ext uri="{28A0092B-C50C-407E-A947-70E740481C1C}">
-                <a14:useLocalDpi xmlns:a14="http://schemas.microsoft.com/office/drawing/2010/main" val="0"/>
-              </a:ext>
-            </a:extLst>
-          </a:blip>
-          <a:srcRect/>
-          <a:stretch>
-            <a:fillRect/>
-          </a:stretch>
-        </p:blipFill>
-        <p:spPr bwMode="auto">
-          <a:xfrm>
-            <a:off x="-404813" y="-85725"/>
-            <a:ext cx="5453063" cy="6943725"/>
-          </a:xfrm>
-          <a:prstGeom prst="rect">
-            <a:avLst/>
-          </a:prstGeom>
-          <a:noFill/>
-          <a:ln>
-            <a:noFill/>
-          </a:ln>
-          <a:extLst>
-            <a:ext uri="{909E8E84-426E-40DD-AFC4-6F175D3DCCD1}">
-              <a14:hiddenFill xmlns:a14="http://schemas.microsoft.com/office/drawing/2010/main">
-                <a:solidFill>
-                  <a:srgbClr val="FFFFFF"/>
-                </a:solidFill>
-              </a14:hiddenFill>
-            </a:ext>
-            <a:ext uri="{91240B29-F687-4F45-9708-019B960494DF}">
-              <a14:hiddenLine xmlns:a14="http://schemas.microsoft.com/office/drawing/2010/main" w="9525">
-                <a:solidFill>
-                  <a:srgbClr val="000000"/>
-                </a:solidFill>
-                <a:miter lim="800000"/>
-                <a:headEnd/>
-                <a:tailEnd/>
-              </a14:hiddenLine>
-            </a:ext>
-          </a:extLst>
-        </p:spPr>
-      </p:pic>
-      <p:sp>
-        <p:nvSpPr>
-          <p:cNvPr id="2" name="标题 1"/>
+    </p:spTree>
+    <p:extLst>
+      <p:ext uri="{BB962C8B-B14F-4D97-AF65-F5344CB8AC3E}">
+        <p14:creationId xmlns:p14="http://schemas.microsoft.com/office/powerpoint/2010/main" val="491812897"/>
+      </p:ext>
+    </p:extLst>
+  </p:cSld>
+  <p:clrMapOvr>
+    <a:masterClrMapping/>
+  </p:clrMapOvr>
+  <p:hf hdr="0" ftr="0" dt="0"/>
+</p:sldLayout>
+</file>
+
+<file path=ppt/slideLayouts/slideLayout10.xml><?xml version="1.0" encoding="utf-8"?>
+<p:sldLayout xmlns:a="http://schemas.openxmlformats.org/drawingml/2006/main" xmlns:r="http://schemas.openxmlformats.org/officeDocument/2006/relationships" xmlns:p="http://schemas.openxmlformats.org/presentationml/2006/main" type="vertTx" preserve="1">
+  <p:cSld name="标题和竖排文字">
+    <p:spTree>
+      <p:nvGrpSpPr>
+        <p:cNvPr id="1" name=""/>
+        <p:cNvGrpSpPr/>
+        <p:nvPr/>
+      </p:nvGrpSpPr>
+      <p:grpSpPr>
+        <a:xfrm>
+          <a:off x="0" y="0"/>
+          <a:ext cx="0" cy="0"/>
+          <a:chOff x="0" y="0"/>
+          <a:chExt cx="0" cy="0"/>
+        </a:xfrm>
+      </p:grpSpPr>
+      <p:sp>
+        <p:nvSpPr>
+          <p:cNvPr id="2" name="Title 1"/>
           <p:cNvSpPr>
             <a:spLocks noGrp="1"/>
           </p:cNvSpPr>
           <p:nvPr>
-            <p:ph type="ctrTitle"/>
+            <p:ph type="title"/>
           </p:nvPr>
         </p:nvSpPr>
-        <p:spPr>
-          <a:xfrm>
-            <a:off x="3809987" y="1847852"/>
-            <a:ext cx="7429552" cy="1800238"/>
-          </a:xfrm>
-        </p:spPr>
-        <p:txBody>
-          <a:bodyPr>
-            <a:noAutofit/>
-          </a:bodyPr>
-          <a:lstStyle>
-            <a:lvl1pPr algn="r">
-              <a:defRPr sz="6600" b="0">
-                <a:solidFill>
-                  <a:srgbClr val="0072BC"/>
-                </a:solidFill>
-              </a:defRPr>
-            </a:lvl1pPr>
-          </a:lstStyle>
+        <p:spPr/>
+        <p:txBody>
+          <a:bodyPr/>
+          <a:lstStyle/>
           <a:p>
             <a:r>
-              <a:rPr lang="zh-CN" altLang="en-US" dirty="0"/>
+              <a:rPr lang="zh-CN" altLang="en-US"/>
               <a:t>单击此处编辑母版标题样式</a:t>
             </a:r>
-          </a:p>
-        </p:txBody>
-      </p:sp>
-      <p:sp>
-        <p:nvSpPr>
-          <p:cNvPr id="3" name="副标题 2"/>
+            <a:endParaRPr lang="en-US" dirty="0"/>
+          </a:p>
+        </p:txBody>
+      </p:sp>
+      <p:sp>
+        <p:nvSpPr>
+          <p:cNvPr id="3" name="Vertical Text Placeholder 2"/>
           <p:cNvSpPr>
             <a:spLocks noGrp="1"/>
           </p:cNvSpPr>
           <p:nvPr>
-            <p:ph type="subTitle" idx="1"/>
+            <p:ph type="body" orient="vert" idx="1"/>
           </p:nvPr>
         </p:nvSpPr>
-        <p:spPr>
-          <a:xfrm>
-            <a:off x="3809987" y="3733814"/>
-            <a:ext cx="7429552" cy="1752600"/>
-          </a:xfrm>
-        </p:spPr>
-        <p:txBody>
-          <a:bodyPr/>
-          <a:lstStyle>
-            <a:lvl1pPr marL="0" indent="0" algn="r">
-              <a:buNone/>
-              <a:defRPr sz="3200">
-                <a:solidFill>
-                  <a:srgbClr val="0072BC"/>
-                </a:solidFill>
-              </a:defRPr>
-            </a:lvl1pPr>
-            <a:lvl2pPr marL="457200" indent="0" algn="ctr">
-              <a:buNone/>
-              <a:defRPr>
-                <a:solidFill>
-                  <a:schemeClr val="tx1">
-                    <a:tint val="75000"/>
-                  </a:schemeClr>
-                </a:solidFill>
-              </a:defRPr>
-            </a:lvl2pPr>
-            <a:lvl3pPr marL="914400" indent="0" algn="ctr">
-              <a:buNone/>
-              <a:defRPr>
-                <a:solidFill>
-                  <a:schemeClr val="tx1">
-                    <a:tint val="75000"/>
-                  </a:schemeClr>
-                </a:solidFill>
-              </a:defRPr>
-            </a:lvl3pPr>
-            <a:lvl4pPr marL="1371600" indent="0" algn="ctr">
-              <a:buNone/>
-              <a:defRPr>
-                <a:solidFill>
-                  <a:schemeClr val="tx1">
-                    <a:tint val="75000"/>
-                  </a:schemeClr>
-                </a:solidFill>
-              </a:defRPr>
-            </a:lvl4pPr>
-            <a:lvl5pPr marL="1828800" indent="0" algn="ctr">
-              <a:buNone/>
-              <a:defRPr>
-                <a:solidFill>
-                  <a:schemeClr val="tx1">
-                    <a:tint val="75000"/>
-                  </a:schemeClr>
-                </a:solidFill>
-              </a:defRPr>
-            </a:lvl5pPr>
-            <a:lvl6pPr marL="2286000" indent="0" algn="ctr">
-              <a:buNone/>
-              <a:defRPr>
-                <a:solidFill>
-                  <a:schemeClr val="tx1">
-                    <a:tint val="75000"/>
-                  </a:schemeClr>
-                </a:solidFill>
-              </a:defRPr>
-            </a:lvl6pPr>
-            <a:lvl7pPr marL="2743200" indent="0" algn="ctr">
-              <a:buNone/>
-              <a:defRPr>
-                <a:solidFill>
-                  <a:schemeClr val="tx1">
-                    <a:tint val="75000"/>
-                  </a:schemeClr>
-                </a:solidFill>
-              </a:defRPr>
-            </a:lvl7pPr>
-            <a:lvl8pPr marL="3200400" indent="0" algn="ctr">
-              <a:buNone/>
-              <a:defRPr>
-                <a:solidFill>
-                  <a:schemeClr val="tx1">
-                    <a:tint val="75000"/>
-                  </a:schemeClr>
-                </a:solidFill>
-              </a:defRPr>
-            </a:lvl8pPr>
-            <a:lvl9pPr marL="3657600" indent="0" algn="ctr">
-              <a:buNone/>
-              <a:defRPr>
-                <a:solidFill>
-                  <a:schemeClr val="tx1">
-                    <a:tint val="75000"/>
-                  </a:schemeClr>
-                </a:solidFill>
-              </a:defRPr>
-            </a:lvl9pPr>
-          </a:lstStyle>
-          <a:p>
+        <p:spPr/>
+        <p:txBody>
+          <a:bodyPr vert="eaVert"/>
+          <a:lstStyle/>
+          <a:p>
+            <a:pPr lvl="0"/>
             <a:r>
-              <a:rPr lang="zh-CN" altLang="en-US" dirty="0"/>
-              <a:t>单击此处编辑母版副标题样式</a:t>
+              <a:rPr lang="zh-CN" altLang="en-US"/>
+              <a:t>单击此处编辑母版文本样式</a:t>
             </a:r>
           </a:p>
-        </p:txBody>
-      </p:sp>
-      <p:sp>
-        <p:nvSpPr>
-          <p:cNvPr id="8" name="日期占位符 3"/>
+          <a:p>
+            <a:pPr lvl="1"/>
+            <a:r>
+              <a:rPr lang="zh-CN" altLang="en-US"/>
+              <a:t>二级</a:t>
+            </a:r>
+          </a:p>
+          <a:p>
+            <a:pPr lvl="2"/>
+            <a:r>
+              <a:rPr lang="zh-CN" altLang="en-US"/>
+              <a:t>三级</a:t>
+            </a:r>
+          </a:p>
+          <a:p>
+            <a:pPr lvl="3"/>
+            <a:r>
+              <a:rPr lang="zh-CN" altLang="en-US"/>
+              <a:t>四级</a:t>
+            </a:r>
+          </a:p>
+          <a:p>
+            <a:pPr lvl="4"/>
+            <a:r>
+              <a:rPr lang="zh-CN" altLang="en-US"/>
+              <a:t>五级</a:t>
+            </a:r>
+            <a:endParaRPr lang="en-US" dirty="0"/>
+          </a:p>
+        </p:txBody>
+      </p:sp>
+      <p:sp>
+        <p:nvSpPr>
+          <p:cNvPr id="4" name="Date Placeholder 3"/>
           <p:cNvSpPr>
             <a:spLocks noGrp="1"/>
           </p:cNvSpPr>
@@ -1631,22 +1591,15 @@
         <p:spPr/>
         <p:txBody>
           <a:bodyPr/>
-          <a:lstStyle>
-            <a:lvl1pPr>
-              <a:defRPr/>
-            </a:lvl1pPr>
-          </a:lstStyle>
-          <a:p>
-            <a:pPr>
-              <a:defRPr/>
-            </a:pPr>
-            <a:endParaRPr lang="zh-CN" altLang="zh-CN"/>
-          </a:p>
-        </p:txBody>
-      </p:sp>
-      <p:sp>
-        <p:nvSpPr>
-          <p:cNvPr id="9" name="页脚占位符 4"/>
+          <a:lstStyle/>
+          <a:p>
+            <a:endParaRPr lang="zh-CN" altLang="en-US"/>
+          </a:p>
+        </p:txBody>
+      </p:sp>
+      <p:sp>
+        <p:nvSpPr>
+          <p:cNvPr id="5" name="Footer Placeholder 4"/>
           <p:cNvSpPr>
             <a:spLocks noGrp="1"/>
           </p:cNvSpPr>
@@ -1657,22 +1610,15 @@
         <p:spPr/>
         <p:txBody>
           <a:bodyPr/>
-          <a:lstStyle>
-            <a:lvl1pPr>
-              <a:defRPr/>
-            </a:lvl1pPr>
-          </a:lstStyle>
-          <a:p>
-            <a:pPr>
-              <a:defRPr/>
-            </a:pPr>
-            <a:endParaRPr lang="zh-CN" altLang="zh-CN" dirty="0"/>
-          </a:p>
-        </p:txBody>
-      </p:sp>
-      <p:sp>
-        <p:nvSpPr>
-          <p:cNvPr id="10" name="灯片编号占位符 5"/>
+          <a:lstStyle/>
+          <a:p>
+            <a:endParaRPr lang="zh-CN" altLang="en-US"/>
+          </a:p>
+        </p:txBody>
+      </p:sp>
+      <p:sp>
+        <p:nvSpPr>
+          <p:cNvPr id="6" name="Slide Number Placeholder 5"/>
           <p:cNvSpPr>
             <a:spLocks noGrp="1"/>
           </p:cNvSpPr>
@@ -1680,45 +1626,278 @@
             <p:ph type="sldNum" sz="quarter" idx="12"/>
           </p:nvPr>
         </p:nvSpPr>
+        <p:spPr/>
+        <p:txBody>
+          <a:bodyPr/>
+          <a:lstStyle/>
+          <a:p>
+            <a:fld id="{76A5C077-CD5E-4BED-A3AA-82686853085F}" type="slidenum">
+              <a:rPr lang="en-US" altLang="zh-CN" smtClean="0"/>
+              <a:t>‹#›</a:t>
+            </a:fld>
+            <a:endParaRPr lang="en-US" dirty="0"/>
+          </a:p>
+        </p:txBody>
+      </p:sp>
+      <p:cxnSp>
+        <p:nvCxnSpPr>
+          <p:cNvPr id="26" name="Straight Connector 25"/>
+          <p:cNvCxnSpPr/>
+          <p:nvPr/>
+        </p:nvCxnSpPr>
         <p:spPr>
           <a:xfrm>
-            <a:off x="4583832" y="6669360"/>
-            <a:ext cx="2743200" cy="185946"/>
+            <a:off x="1453896" y="1847088"/>
+            <a:ext cx="9607522" cy="0"/>
           </a:xfrm>
+          <a:prstGeom prst="line">
+            <a:avLst/>
+          </a:prstGeom>
+          <a:ln w="31750"/>
         </p:spPr>
-        <p:txBody>
-          <a:bodyPr/>
-          <a:lstStyle>
-            <a:lvl1pPr algn="ctr">
-              <a:defRPr>
-                <a:solidFill>
-                  <a:schemeClr val="bg1"/>
-                </a:solidFill>
-              </a:defRPr>
-            </a:lvl1pPr>
-          </a:lstStyle>
-          <a:p>
-            <a:pPr>
-              <a:defRPr/>
-            </a:pPr>
-            <a:fld id="{6B93F4AD-E41D-4898-98F6-951F1BB77F10}" type="slidenum">
-              <a:rPr lang="zh-CN" altLang="zh-CN" smtClean="0"/>
-              <a:t>‹#›</a:t>
-            </a:fld>
-            <a:endParaRPr lang="zh-CN" altLang="zh-CN" dirty="0"/>
-          </a:p>
-        </p:txBody>
-      </p:sp>
+        <p:style>
+          <a:lnRef idx="3">
+            <a:schemeClr val="accent1"/>
+          </a:lnRef>
+          <a:fillRef idx="0">
+            <a:schemeClr val="accent1"/>
+          </a:fillRef>
+          <a:effectRef idx="2">
+            <a:schemeClr val="accent1"/>
+          </a:effectRef>
+          <a:fontRef idx="minor">
+            <a:schemeClr val="tx1"/>
+          </a:fontRef>
+        </p:style>
+      </p:cxnSp>
     </p:spTree>
+    <p:extLst>
+      <p:ext uri="{BB962C8B-B14F-4D97-AF65-F5344CB8AC3E}">
+        <p14:creationId xmlns:p14="http://schemas.microsoft.com/office/powerpoint/2010/main" val="2633177428"/>
+      </p:ext>
+    </p:extLst>
   </p:cSld>
   <p:clrMapOvr>
     <a:masterClrMapping/>
   </p:clrMapOvr>
+  <p:hf hdr="0" ftr="0" dt="0"/>
 </p:sldLayout>
 </file>
 
-<file path=ppt/slideLayouts/slideLayout2.xml><?xml version="1.0" encoding="utf-8"?>
-<p:sldLayout xmlns:a="http://schemas.openxmlformats.org/drawingml/2006/main" xmlns:r="http://schemas.openxmlformats.org/officeDocument/2006/relationships" xmlns:p="http://schemas.openxmlformats.org/presentationml/2006/main" preserve="1">
+<file path=ppt/slideLayouts/slideLayout11.xml><?xml version="1.0" encoding="utf-8"?>
+<p:sldLayout xmlns:a="http://schemas.openxmlformats.org/drawingml/2006/main" xmlns:r="http://schemas.openxmlformats.org/officeDocument/2006/relationships" xmlns:p="http://schemas.openxmlformats.org/presentationml/2006/main" type="vertTitleAndTx" preserve="1">
+  <p:cSld name="竖排标题与文本">
+    <p:spTree>
+      <p:nvGrpSpPr>
+        <p:cNvPr id="1" name=""/>
+        <p:cNvGrpSpPr/>
+        <p:nvPr/>
+      </p:nvGrpSpPr>
+      <p:grpSpPr>
+        <a:xfrm>
+          <a:off x="0" y="0"/>
+          <a:ext cx="0" cy="0"/>
+          <a:chOff x="0" y="0"/>
+          <a:chExt cx="0" cy="0"/>
+        </a:xfrm>
+      </p:grpSpPr>
+      <p:sp>
+        <p:nvSpPr>
+          <p:cNvPr id="2" name="Vertical Title 1"/>
+          <p:cNvSpPr>
+            <a:spLocks noGrp="1"/>
+          </p:cNvSpPr>
+          <p:nvPr>
+            <p:ph type="title" orient="vert"/>
+          </p:nvPr>
+        </p:nvSpPr>
+        <p:spPr>
+          <a:xfrm>
+            <a:off x="9439111" y="798973"/>
+            <a:ext cx="1615742" cy="4659889"/>
+          </a:xfrm>
+        </p:spPr>
+        <p:txBody>
+          <a:bodyPr vert="eaVert"/>
+          <a:lstStyle>
+            <a:lvl1pPr algn="l">
+              <a:defRPr/>
+            </a:lvl1pPr>
+          </a:lstStyle>
+          <a:p>
+            <a:r>
+              <a:rPr lang="zh-CN" altLang="en-US"/>
+              <a:t>单击此处编辑母版标题样式</a:t>
+            </a:r>
+            <a:endParaRPr lang="en-US" dirty="0"/>
+          </a:p>
+        </p:txBody>
+      </p:sp>
+      <p:sp>
+        <p:nvSpPr>
+          <p:cNvPr id="3" name="Vertical Text Placeholder 2"/>
+          <p:cNvSpPr>
+            <a:spLocks noGrp="1"/>
+          </p:cNvSpPr>
+          <p:nvPr>
+            <p:ph type="body" orient="vert" idx="1"/>
+          </p:nvPr>
+        </p:nvSpPr>
+        <p:spPr>
+          <a:xfrm>
+            <a:off x="1444672" y="798973"/>
+            <a:ext cx="7828830" cy="4659889"/>
+          </a:xfrm>
+        </p:spPr>
+        <p:txBody>
+          <a:bodyPr vert="eaVert"/>
+          <a:lstStyle/>
+          <a:p>
+            <a:pPr lvl="0"/>
+            <a:r>
+              <a:rPr lang="zh-CN" altLang="en-US"/>
+              <a:t>单击此处编辑母版文本样式</a:t>
+            </a:r>
+          </a:p>
+          <a:p>
+            <a:pPr lvl="1"/>
+            <a:r>
+              <a:rPr lang="zh-CN" altLang="en-US"/>
+              <a:t>二级</a:t>
+            </a:r>
+          </a:p>
+          <a:p>
+            <a:pPr lvl="2"/>
+            <a:r>
+              <a:rPr lang="zh-CN" altLang="en-US"/>
+              <a:t>三级</a:t>
+            </a:r>
+          </a:p>
+          <a:p>
+            <a:pPr lvl="3"/>
+            <a:r>
+              <a:rPr lang="zh-CN" altLang="en-US"/>
+              <a:t>四级</a:t>
+            </a:r>
+          </a:p>
+          <a:p>
+            <a:pPr lvl="4"/>
+            <a:r>
+              <a:rPr lang="zh-CN" altLang="en-US"/>
+              <a:t>五级</a:t>
+            </a:r>
+            <a:endParaRPr lang="en-US" dirty="0"/>
+          </a:p>
+        </p:txBody>
+      </p:sp>
+      <p:sp>
+        <p:nvSpPr>
+          <p:cNvPr id="4" name="Date Placeholder 3"/>
+          <p:cNvSpPr>
+            <a:spLocks noGrp="1"/>
+          </p:cNvSpPr>
+          <p:nvPr>
+            <p:ph type="dt" sz="half" idx="10"/>
+          </p:nvPr>
+        </p:nvSpPr>
+        <p:spPr/>
+        <p:txBody>
+          <a:bodyPr/>
+          <a:lstStyle/>
+          <a:p>
+            <a:endParaRPr lang="zh-CN" altLang="en-US"/>
+          </a:p>
+        </p:txBody>
+      </p:sp>
+      <p:sp>
+        <p:nvSpPr>
+          <p:cNvPr id="5" name="Footer Placeholder 4"/>
+          <p:cNvSpPr>
+            <a:spLocks noGrp="1"/>
+          </p:cNvSpPr>
+          <p:nvPr>
+            <p:ph type="ftr" sz="quarter" idx="11"/>
+          </p:nvPr>
+        </p:nvSpPr>
+        <p:spPr/>
+        <p:txBody>
+          <a:bodyPr/>
+          <a:lstStyle/>
+          <a:p>
+            <a:endParaRPr lang="zh-CN" altLang="en-US"/>
+          </a:p>
+        </p:txBody>
+      </p:sp>
+      <p:sp>
+        <p:nvSpPr>
+          <p:cNvPr id="6" name="Slide Number Placeholder 5"/>
+          <p:cNvSpPr>
+            <a:spLocks noGrp="1"/>
+          </p:cNvSpPr>
+          <p:nvPr>
+            <p:ph type="sldNum" sz="quarter" idx="12"/>
+          </p:nvPr>
+        </p:nvSpPr>
+        <p:spPr/>
+        <p:txBody>
+          <a:bodyPr/>
+          <a:lstStyle/>
+          <a:p>
+            <a:fld id="{76A5C077-CD5E-4BED-A3AA-82686853085F}" type="slidenum">
+              <a:rPr lang="en-US" altLang="zh-CN" smtClean="0"/>
+              <a:t>‹#›</a:t>
+            </a:fld>
+            <a:endParaRPr lang="en-US" dirty="0"/>
+          </a:p>
+        </p:txBody>
+      </p:sp>
+      <p:cxnSp>
+        <p:nvCxnSpPr>
+          <p:cNvPr id="15" name="Straight Connector 14"/>
+          <p:cNvCxnSpPr/>
+          <p:nvPr/>
+        </p:nvCxnSpPr>
+        <p:spPr>
+          <a:xfrm>
+            <a:off x="9439111" y="798973"/>
+            <a:ext cx="0" cy="4659889"/>
+          </a:xfrm>
+          <a:prstGeom prst="line">
+            <a:avLst/>
+          </a:prstGeom>
+          <a:ln w="31750"/>
+        </p:spPr>
+        <p:style>
+          <a:lnRef idx="3">
+            <a:schemeClr val="accent1"/>
+          </a:lnRef>
+          <a:fillRef idx="0">
+            <a:schemeClr val="accent1"/>
+          </a:fillRef>
+          <a:effectRef idx="2">
+            <a:schemeClr val="accent1"/>
+          </a:effectRef>
+          <a:fontRef idx="minor">
+            <a:schemeClr val="tx1"/>
+          </a:fontRef>
+        </p:style>
+      </p:cxnSp>
+    </p:spTree>
+    <p:extLst>
+      <p:ext uri="{BB962C8B-B14F-4D97-AF65-F5344CB8AC3E}">
+        <p14:creationId xmlns:p14="http://schemas.microsoft.com/office/powerpoint/2010/main" val="3490725605"/>
+      </p:ext>
+    </p:extLst>
+  </p:cSld>
+  <p:clrMapOvr>
+    <a:masterClrMapping/>
+  </p:clrMapOvr>
+  <p:hf hdr="0" ftr="0" dt="0"/>
+</p:sldLayout>
+</file>
+
+<file path=ppt/slideLayouts/slideLayout12.xml><?xml version="1.0" encoding="utf-8"?>
+<p:sldLayout xmlns:a="http://schemas.openxmlformats.org/drawingml/2006/main" xmlns:r="http://schemas.openxmlformats.org/officeDocument/2006/relationships" xmlns:p="http://schemas.openxmlformats.org/presentationml/2006/main">
   <p:cSld name="6_标题和内容">
     <p:spTree>
       <p:nvGrpSpPr>
@@ -1736,148 +1915,6 @@
       </p:grpSpPr>
       <p:sp>
         <p:nvSpPr>
-          <p:cNvPr id="3" name="矩形 2"/>
-          <p:cNvSpPr/>
-          <p:nvPr/>
-        </p:nvSpPr>
-        <p:spPr>
-          <a:xfrm>
-            <a:off x="0" y="6686550"/>
-            <a:ext cx="12192000" cy="171450"/>
-          </a:xfrm>
-          <a:prstGeom prst="rect">
-            <a:avLst/>
-          </a:prstGeom>
-          <a:solidFill>
-            <a:srgbClr val="00A29A"/>
-          </a:solidFill>
-          <a:ln>
-            <a:noFill/>
-          </a:ln>
-        </p:spPr>
-        <p:style>
-          <a:lnRef idx="2">
-            <a:schemeClr val="accent1">
-              <a:shade val="50000"/>
-            </a:schemeClr>
-          </a:lnRef>
-          <a:fillRef idx="1">
-            <a:schemeClr val="accent1"/>
-          </a:fillRef>
-          <a:effectRef idx="0">
-            <a:schemeClr val="accent1"/>
-          </a:effectRef>
-          <a:fontRef idx="minor">
-            <a:schemeClr val="lt1"/>
-          </a:fontRef>
-        </p:style>
-        <p:txBody>
-          <a:bodyPr anchor="ctr"/>
-          <a:lstStyle/>
-          <a:p>
-            <a:pPr algn="ctr">
-              <a:defRPr/>
-            </a:pPr>
-            <a:endParaRPr lang="zh-CN" altLang="en-US" sz="1200">
-              <a:solidFill>
-                <a:prstClr val="white"/>
-              </a:solidFill>
-            </a:endParaRPr>
-          </a:p>
-        </p:txBody>
-      </p:sp>
-      <p:cxnSp>
-        <p:nvCxnSpPr>
-          <p:cNvPr id="4" name="直接连接符 3"/>
-          <p:cNvCxnSpPr/>
-          <p:nvPr/>
-        </p:nvCxnSpPr>
-        <p:spPr>
-          <a:xfrm>
-            <a:off x="1166813" y="920750"/>
-            <a:ext cx="10477500" cy="1588"/>
-          </a:xfrm>
-          <a:prstGeom prst="line">
-            <a:avLst/>
-          </a:prstGeom>
-          <a:ln w="12700">
-            <a:solidFill>
-              <a:srgbClr val="0070C0"/>
-            </a:solidFill>
-            <a:prstDash val="solid"/>
-          </a:ln>
-        </p:spPr>
-        <p:style>
-          <a:lnRef idx="1">
-            <a:schemeClr val="accent1"/>
-          </a:lnRef>
-          <a:fillRef idx="0">
-            <a:schemeClr val="accent1"/>
-          </a:fillRef>
-          <a:effectRef idx="0">
-            <a:schemeClr val="accent1"/>
-          </a:effectRef>
-          <a:fontRef idx="minor">
-            <a:schemeClr val="tx1"/>
-          </a:fontRef>
-        </p:style>
-      </p:cxnSp>
-      <p:pic>
-        <p:nvPicPr>
-          <p:cNvPr id="5" name="Picture 3" descr="D:\工作\2016\vi\图层-2.png"/>
-          <p:cNvPicPr>
-            <a:picLocks noChangeAspect="1" noChangeArrowheads="1"/>
-          </p:cNvPicPr>
-          <p:nvPr/>
-        </p:nvPicPr>
-        <p:blipFill>
-          <a:blip r:embed="rId2">
-            <a:extLst>
-              <a:ext uri="{28A0092B-C50C-407E-A947-70E740481C1C}">
-                <a14:useLocalDpi xmlns:a14="http://schemas.microsoft.com/office/drawing/2010/main" val="0"/>
-              </a:ext>
-            </a:extLst>
-          </a:blip>
-          <a:srcRect/>
-          <a:stretch>
-            <a:fillRect/>
-          </a:stretch>
-        </p:blipFill>
-        <p:spPr bwMode="auto">
-          <a:xfrm>
-            <a:off x="333375" y="404813"/>
-            <a:ext cx="649288" cy="431800"/>
-          </a:xfrm>
-          <a:prstGeom prst="rect">
-            <a:avLst/>
-          </a:prstGeom>
-          <a:noFill/>
-          <a:ln>
-            <a:noFill/>
-          </a:ln>
-          <a:extLst>
-            <a:ext uri="{909E8E84-426E-40DD-AFC4-6F175D3DCCD1}">
-              <a14:hiddenFill xmlns:a14="http://schemas.microsoft.com/office/drawing/2010/main">
-                <a:solidFill>
-                  <a:srgbClr val="FFFFFF"/>
-                </a:solidFill>
-              </a14:hiddenFill>
-            </a:ext>
-            <a:ext uri="{91240B29-F687-4F45-9708-019B960494DF}">
-              <a14:hiddenLine xmlns:a14="http://schemas.microsoft.com/office/drawing/2010/main" w="9525">
-                <a:solidFill>
-                  <a:srgbClr val="000000"/>
-                </a:solidFill>
-                <a:miter lim="800000"/>
-                <a:headEnd/>
-                <a:tailEnd/>
-              </a14:hiddenLine>
-            </a:ext>
-          </a:extLst>
-        </p:spPr>
-      </p:pic>
-      <p:sp>
-        <p:nvSpPr>
           <p:cNvPr id="16" name="标题 1"/>
           <p:cNvSpPr>
             <a:spLocks noGrp="1"/>
@@ -1958,6 +1995,11 @@
         </p:txBody>
       </p:sp>
     </p:spTree>
+    <p:extLst>
+      <p:ext uri="{BB962C8B-B14F-4D97-AF65-F5344CB8AC3E}">
+        <p14:creationId xmlns:p14="http://schemas.microsoft.com/office/powerpoint/2010/main" val="1424718679"/>
+      </p:ext>
+    </p:extLst>
   </p:cSld>
   <p:clrMapOvr>
     <a:overrideClrMapping bg1="lt1" tx1="dk1" bg2="lt2" tx2="dk2" accent1="accent1" accent2="accent2" accent3="accent3" accent4="accent4" accent5="accent5" accent6="accent6" hlink="hlink" folHlink="folHlink"/>
@@ -1965,8 +2007,1306 @@
 </p:sldLayout>
 </file>
 
+<file path=ppt/slideLayouts/slideLayout2.xml><?xml version="1.0" encoding="utf-8"?>
+<p:sldLayout xmlns:a="http://schemas.openxmlformats.org/drawingml/2006/main" xmlns:r="http://schemas.openxmlformats.org/officeDocument/2006/relationships" xmlns:p="http://schemas.openxmlformats.org/presentationml/2006/main" type="obj" preserve="1">
+  <p:cSld name="标题和内容">
+    <p:spTree>
+      <p:nvGrpSpPr>
+        <p:cNvPr id="1" name=""/>
+        <p:cNvGrpSpPr/>
+        <p:nvPr/>
+      </p:nvGrpSpPr>
+      <p:grpSpPr>
+        <a:xfrm>
+          <a:off x="0" y="0"/>
+          <a:ext cx="0" cy="0"/>
+          <a:chOff x="0" y="0"/>
+          <a:chExt cx="0" cy="0"/>
+        </a:xfrm>
+      </p:grpSpPr>
+      <p:sp>
+        <p:nvSpPr>
+          <p:cNvPr id="2" name="Title 1"/>
+          <p:cNvSpPr>
+            <a:spLocks noGrp="1"/>
+          </p:cNvSpPr>
+          <p:nvPr>
+            <p:ph type="title"/>
+          </p:nvPr>
+        </p:nvSpPr>
+        <p:spPr/>
+        <p:txBody>
+          <a:bodyPr/>
+          <a:lstStyle/>
+          <a:p>
+            <a:r>
+              <a:rPr lang="zh-CN" altLang="en-US"/>
+              <a:t>单击此处编辑母版标题样式</a:t>
+            </a:r>
+            <a:endParaRPr lang="en-US" dirty="0"/>
+          </a:p>
+        </p:txBody>
+      </p:sp>
+      <p:sp>
+        <p:nvSpPr>
+          <p:cNvPr id="3" name="Content Placeholder 2"/>
+          <p:cNvSpPr>
+            <a:spLocks noGrp="1"/>
+          </p:cNvSpPr>
+          <p:nvPr>
+            <p:ph idx="1"/>
+          </p:nvPr>
+        </p:nvSpPr>
+        <p:spPr/>
+        <p:txBody>
+          <a:bodyPr anchor="t"/>
+          <a:lstStyle/>
+          <a:p>
+            <a:pPr lvl="0"/>
+            <a:r>
+              <a:rPr lang="zh-CN" altLang="en-US"/>
+              <a:t>单击此处编辑母版文本样式</a:t>
+            </a:r>
+          </a:p>
+          <a:p>
+            <a:pPr lvl="1"/>
+            <a:r>
+              <a:rPr lang="zh-CN" altLang="en-US"/>
+              <a:t>二级</a:t>
+            </a:r>
+          </a:p>
+          <a:p>
+            <a:pPr lvl="2"/>
+            <a:r>
+              <a:rPr lang="zh-CN" altLang="en-US"/>
+              <a:t>三级</a:t>
+            </a:r>
+          </a:p>
+          <a:p>
+            <a:pPr lvl="3"/>
+            <a:r>
+              <a:rPr lang="zh-CN" altLang="en-US"/>
+              <a:t>四级</a:t>
+            </a:r>
+          </a:p>
+          <a:p>
+            <a:pPr lvl="4"/>
+            <a:r>
+              <a:rPr lang="zh-CN" altLang="en-US"/>
+              <a:t>五级</a:t>
+            </a:r>
+            <a:endParaRPr lang="en-US" dirty="0"/>
+          </a:p>
+        </p:txBody>
+      </p:sp>
+      <p:sp>
+        <p:nvSpPr>
+          <p:cNvPr id="4" name="Date Placeholder 3"/>
+          <p:cNvSpPr>
+            <a:spLocks noGrp="1"/>
+          </p:cNvSpPr>
+          <p:nvPr>
+            <p:ph type="dt" sz="half" idx="10"/>
+          </p:nvPr>
+        </p:nvSpPr>
+        <p:spPr/>
+        <p:txBody>
+          <a:bodyPr/>
+          <a:lstStyle/>
+          <a:p>
+            <a:endParaRPr lang="zh-CN" altLang="en-US"/>
+          </a:p>
+        </p:txBody>
+      </p:sp>
+      <p:sp>
+        <p:nvSpPr>
+          <p:cNvPr id="5" name="Footer Placeholder 4"/>
+          <p:cNvSpPr>
+            <a:spLocks noGrp="1"/>
+          </p:cNvSpPr>
+          <p:nvPr>
+            <p:ph type="ftr" sz="quarter" idx="11"/>
+          </p:nvPr>
+        </p:nvSpPr>
+        <p:spPr/>
+        <p:txBody>
+          <a:bodyPr/>
+          <a:lstStyle/>
+          <a:p>
+            <a:endParaRPr lang="zh-CN" altLang="en-US"/>
+          </a:p>
+        </p:txBody>
+      </p:sp>
+      <p:sp>
+        <p:nvSpPr>
+          <p:cNvPr id="6" name="Slide Number Placeholder 5"/>
+          <p:cNvSpPr>
+            <a:spLocks noGrp="1"/>
+          </p:cNvSpPr>
+          <p:nvPr>
+            <p:ph type="sldNum" sz="quarter" idx="12"/>
+          </p:nvPr>
+        </p:nvSpPr>
+        <p:spPr/>
+        <p:txBody>
+          <a:bodyPr/>
+          <a:lstStyle/>
+          <a:p>
+            <a:fld id="{76A5C077-CD5E-4BED-A3AA-82686853085F}" type="slidenum">
+              <a:rPr lang="en-US" altLang="zh-CN" smtClean="0"/>
+              <a:t>‹#›</a:t>
+            </a:fld>
+            <a:endParaRPr lang="en-US" dirty="0"/>
+          </a:p>
+        </p:txBody>
+      </p:sp>
+      <p:cxnSp>
+        <p:nvCxnSpPr>
+          <p:cNvPr id="33" name="Straight Connector 32"/>
+          <p:cNvCxnSpPr/>
+          <p:nvPr/>
+        </p:nvCxnSpPr>
+        <p:spPr>
+          <a:xfrm>
+            <a:off x="1453896" y="1847088"/>
+            <a:ext cx="9607522" cy="0"/>
+          </a:xfrm>
+          <a:prstGeom prst="line">
+            <a:avLst/>
+          </a:prstGeom>
+          <a:ln w="31750"/>
+        </p:spPr>
+        <p:style>
+          <a:lnRef idx="3">
+            <a:schemeClr val="accent1"/>
+          </a:lnRef>
+          <a:fillRef idx="0">
+            <a:schemeClr val="accent1"/>
+          </a:fillRef>
+          <a:effectRef idx="2">
+            <a:schemeClr val="accent1"/>
+          </a:effectRef>
+          <a:fontRef idx="minor">
+            <a:schemeClr val="tx1"/>
+          </a:fontRef>
+        </p:style>
+      </p:cxnSp>
+    </p:spTree>
+    <p:extLst>
+      <p:ext uri="{BB962C8B-B14F-4D97-AF65-F5344CB8AC3E}">
+        <p14:creationId xmlns:p14="http://schemas.microsoft.com/office/powerpoint/2010/main" val="2118921624"/>
+      </p:ext>
+    </p:extLst>
+  </p:cSld>
+  <p:clrMapOvr>
+    <a:masterClrMapping/>
+  </p:clrMapOvr>
+  <p:hf hdr="0" ftr="0" dt="0"/>
+</p:sldLayout>
+</file>
+
 <file path=ppt/slideLayouts/slideLayout3.xml><?xml version="1.0" encoding="utf-8"?>
-<p:sldLayout xmlns:a="http://schemas.openxmlformats.org/drawingml/2006/main" xmlns:r="http://schemas.openxmlformats.org/officeDocument/2006/relationships" xmlns:p="http://schemas.openxmlformats.org/presentationml/2006/main" type="blank">
+<p:sldLayout xmlns:a="http://schemas.openxmlformats.org/drawingml/2006/main" xmlns:r="http://schemas.openxmlformats.org/officeDocument/2006/relationships" xmlns:p="http://schemas.openxmlformats.org/presentationml/2006/main" type="secHead" preserve="1">
+  <p:cSld name="节标题">
+    <p:spTree>
+      <p:nvGrpSpPr>
+        <p:cNvPr id="1" name=""/>
+        <p:cNvGrpSpPr/>
+        <p:nvPr/>
+      </p:nvGrpSpPr>
+      <p:grpSpPr>
+        <a:xfrm>
+          <a:off x="0" y="0"/>
+          <a:ext cx="0" cy="0"/>
+          <a:chOff x="0" y="0"/>
+          <a:chExt cx="0" cy="0"/>
+        </a:xfrm>
+      </p:grpSpPr>
+      <p:sp>
+        <p:nvSpPr>
+          <p:cNvPr id="2" name="Title 1"/>
+          <p:cNvSpPr>
+            <a:spLocks noGrp="1"/>
+          </p:cNvSpPr>
+          <p:nvPr>
+            <p:ph type="title"/>
+          </p:nvPr>
+        </p:nvSpPr>
+        <p:spPr>
+          <a:xfrm>
+            <a:off x="1454239" y="1756130"/>
+            <a:ext cx="8643154" cy="1887950"/>
+          </a:xfrm>
+        </p:spPr>
+        <p:txBody>
+          <a:bodyPr anchor="b">
+            <a:normAutofit/>
+          </a:bodyPr>
+          <a:lstStyle>
+            <a:lvl1pPr algn="l">
+              <a:defRPr sz="3600"/>
+            </a:lvl1pPr>
+          </a:lstStyle>
+          <a:p>
+            <a:r>
+              <a:rPr lang="zh-CN" altLang="en-US"/>
+              <a:t>单击此处编辑母版标题样式</a:t>
+            </a:r>
+            <a:endParaRPr lang="en-US" dirty="0"/>
+          </a:p>
+        </p:txBody>
+      </p:sp>
+      <p:sp>
+        <p:nvSpPr>
+          <p:cNvPr id="3" name="Text Placeholder 2"/>
+          <p:cNvSpPr>
+            <a:spLocks noGrp="1"/>
+          </p:cNvSpPr>
+          <p:nvPr>
+            <p:ph type="body" idx="1"/>
+          </p:nvPr>
+        </p:nvSpPr>
+        <p:spPr>
+          <a:xfrm>
+            <a:off x="1454239" y="3806195"/>
+            <a:ext cx="8630446" cy="1012929"/>
+          </a:xfrm>
+        </p:spPr>
+        <p:txBody>
+          <a:bodyPr tIns="91440">
+            <a:normAutofit/>
+          </a:bodyPr>
+          <a:lstStyle>
+            <a:lvl1pPr marL="0" indent="0" algn="l">
+              <a:buNone/>
+              <a:defRPr sz="1800">
+                <a:solidFill>
+                  <a:schemeClr val="tx1"/>
+                </a:solidFill>
+              </a:defRPr>
+            </a:lvl1pPr>
+            <a:lvl2pPr marL="457200" indent="0">
+              <a:buNone/>
+              <a:defRPr sz="1800">
+                <a:solidFill>
+                  <a:schemeClr val="tx1">
+                    <a:tint val="75000"/>
+                  </a:schemeClr>
+                </a:solidFill>
+              </a:defRPr>
+            </a:lvl2pPr>
+            <a:lvl3pPr marL="914400" indent="0">
+              <a:buNone/>
+              <a:defRPr sz="1800">
+                <a:solidFill>
+                  <a:schemeClr val="tx1">
+                    <a:tint val="75000"/>
+                  </a:schemeClr>
+                </a:solidFill>
+              </a:defRPr>
+            </a:lvl3pPr>
+            <a:lvl4pPr marL="1371600" indent="0">
+              <a:buNone/>
+              <a:defRPr sz="1600">
+                <a:solidFill>
+                  <a:schemeClr val="tx1">
+                    <a:tint val="75000"/>
+                  </a:schemeClr>
+                </a:solidFill>
+              </a:defRPr>
+            </a:lvl4pPr>
+            <a:lvl5pPr marL="1828800" indent="0">
+              <a:buNone/>
+              <a:defRPr sz="1600">
+                <a:solidFill>
+                  <a:schemeClr val="tx1">
+                    <a:tint val="75000"/>
+                  </a:schemeClr>
+                </a:solidFill>
+              </a:defRPr>
+            </a:lvl5pPr>
+            <a:lvl6pPr marL="2286000" indent="0">
+              <a:buNone/>
+              <a:defRPr sz="1600">
+                <a:solidFill>
+                  <a:schemeClr val="tx1">
+                    <a:tint val="75000"/>
+                  </a:schemeClr>
+                </a:solidFill>
+              </a:defRPr>
+            </a:lvl6pPr>
+            <a:lvl7pPr marL="2743200" indent="0">
+              <a:buNone/>
+              <a:defRPr sz="1600">
+                <a:solidFill>
+                  <a:schemeClr val="tx1">
+                    <a:tint val="75000"/>
+                  </a:schemeClr>
+                </a:solidFill>
+              </a:defRPr>
+            </a:lvl7pPr>
+            <a:lvl8pPr marL="3200400" indent="0">
+              <a:buNone/>
+              <a:defRPr sz="1600">
+                <a:solidFill>
+                  <a:schemeClr val="tx1">
+                    <a:tint val="75000"/>
+                  </a:schemeClr>
+                </a:solidFill>
+              </a:defRPr>
+            </a:lvl8pPr>
+            <a:lvl9pPr marL="3657600" indent="0">
+              <a:buNone/>
+              <a:defRPr sz="1600">
+                <a:solidFill>
+                  <a:schemeClr val="tx1">
+                    <a:tint val="75000"/>
+                  </a:schemeClr>
+                </a:solidFill>
+              </a:defRPr>
+            </a:lvl9pPr>
+          </a:lstStyle>
+          <a:p>
+            <a:pPr lvl="0"/>
+            <a:r>
+              <a:rPr lang="zh-CN" altLang="en-US"/>
+              <a:t>单击此处编辑母版文本样式</a:t>
+            </a:r>
+          </a:p>
+        </p:txBody>
+      </p:sp>
+      <p:sp>
+        <p:nvSpPr>
+          <p:cNvPr id="4" name="Date Placeholder 3"/>
+          <p:cNvSpPr>
+            <a:spLocks noGrp="1"/>
+          </p:cNvSpPr>
+          <p:nvPr>
+            <p:ph type="dt" sz="half" idx="10"/>
+          </p:nvPr>
+        </p:nvSpPr>
+        <p:spPr/>
+        <p:txBody>
+          <a:bodyPr/>
+          <a:lstStyle/>
+          <a:p>
+            <a:endParaRPr lang="zh-CN" altLang="en-US"/>
+          </a:p>
+        </p:txBody>
+      </p:sp>
+      <p:sp>
+        <p:nvSpPr>
+          <p:cNvPr id="5" name="Footer Placeholder 4"/>
+          <p:cNvSpPr>
+            <a:spLocks noGrp="1"/>
+          </p:cNvSpPr>
+          <p:nvPr>
+            <p:ph type="ftr" sz="quarter" idx="11"/>
+          </p:nvPr>
+        </p:nvSpPr>
+        <p:spPr/>
+        <p:txBody>
+          <a:bodyPr/>
+          <a:lstStyle/>
+          <a:p>
+            <a:endParaRPr lang="zh-CN" altLang="en-US"/>
+          </a:p>
+        </p:txBody>
+      </p:sp>
+      <p:sp>
+        <p:nvSpPr>
+          <p:cNvPr id="6" name="Slide Number Placeholder 5"/>
+          <p:cNvSpPr>
+            <a:spLocks noGrp="1"/>
+          </p:cNvSpPr>
+          <p:nvPr>
+            <p:ph type="sldNum" sz="quarter" idx="12"/>
+          </p:nvPr>
+        </p:nvSpPr>
+        <p:spPr/>
+        <p:txBody>
+          <a:bodyPr/>
+          <a:lstStyle/>
+          <a:p>
+            <a:fld id="{76A5C077-CD5E-4BED-A3AA-82686853085F}" type="slidenum">
+              <a:rPr lang="en-US" altLang="zh-CN" smtClean="0"/>
+              <a:t>‹#›</a:t>
+            </a:fld>
+            <a:endParaRPr lang="en-US" dirty="0"/>
+          </a:p>
+        </p:txBody>
+      </p:sp>
+      <p:cxnSp>
+        <p:nvCxnSpPr>
+          <p:cNvPr id="15" name="Straight Connector 14"/>
+          <p:cNvCxnSpPr/>
+          <p:nvPr/>
+        </p:nvCxnSpPr>
+        <p:spPr>
+          <a:xfrm>
+            <a:off x="1454239" y="3804985"/>
+            <a:ext cx="8630446" cy="0"/>
+          </a:xfrm>
+          <a:prstGeom prst="line">
+            <a:avLst/>
+          </a:prstGeom>
+          <a:ln w="31750"/>
+        </p:spPr>
+        <p:style>
+          <a:lnRef idx="3">
+            <a:schemeClr val="accent1"/>
+          </a:lnRef>
+          <a:fillRef idx="0">
+            <a:schemeClr val="accent1"/>
+          </a:fillRef>
+          <a:effectRef idx="2">
+            <a:schemeClr val="accent1"/>
+          </a:effectRef>
+          <a:fontRef idx="minor">
+            <a:schemeClr val="tx1"/>
+          </a:fontRef>
+        </p:style>
+      </p:cxnSp>
+    </p:spTree>
+    <p:extLst>
+      <p:ext uri="{BB962C8B-B14F-4D97-AF65-F5344CB8AC3E}">
+        <p14:creationId xmlns:p14="http://schemas.microsoft.com/office/powerpoint/2010/main" val="1665231771"/>
+      </p:ext>
+    </p:extLst>
+  </p:cSld>
+  <p:clrMapOvr>
+    <a:masterClrMapping/>
+  </p:clrMapOvr>
+  <p:hf hdr="0" ftr="0" dt="0"/>
+</p:sldLayout>
+</file>
+
+<file path=ppt/slideLayouts/slideLayout4.xml><?xml version="1.0" encoding="utf-8"?>
+<p:sldLayout xmlns:a="http://schemas.openxmlformats.org/drawingml/2006/main" xmlns:r="http://schemas.openxmlformats.org/officeDocument/2006/relationships" xmlns:p="http://schemas.openxmlformats.org/presentationml/2006/main" type="twoObj" preserve="1">
+  <p:cSld name="两栏内容">
+    <p:spTree>
+      <p:nvGrpSpPr>
+        <p:cNvPr id="1" name=""/>
+        <p:cNvGrpSpPr/>
+        <p:nvPr/>
+      </p:nvGrpSpPr>
+      <p:grpSpPr>
+        <a:xfrm>
+          <a:off x="0" y="0"/>
+          <a:ext cx="0" cy="0"/>
+          <a:chOff x="0" y="0"/>
+          <a:chExt cx="0" cy="0"/>
+        </a:xfrm>
+      </p:grpSpPr>
+      <p:sp>
+        <p:nvSpPr>
+          <p:cNvPr id="2" name="Title 1"/>
+          <p:cNvSpPr>
+            <a:spLocks noGrp="1"/>
+          </p:cNvSpPr>
+          <p:nvPr>
+            <p:ph type="title"/>
+          </p:nvPr>
+        </p:nvSpPr>
+        <p:spPr>
+          <a:xfrm>
+            <a:off x="1449217" y="804889"/>
+            <a:ext cx="9605635" cy="1059305"/>
+          </a:xfrm>
+        </p:spPr>
+        <p:txBody>
+          <a:bodyPr/>
+          <a:lstStyle/>
+          <a:p>
+            <a:r>
+              <a:rPr lang="zh-CN" altLang="en-US"/>
+              <a:t>单击此处编辑母版标题样式</a:t>
+            </a:r>
+            <a:endParaRPr lang="en-US" dirty="0"/>
+          </a:p>
+        </p:txBody>
+      </p:sp>
+      <p:sp>
+        <p:nvSpPr>
+          <p:cNvPr id="3" name="Content Placeholder 2"/>
+          <p:cNvSpPr>
+            <a:spLocks noGrp="1"/>
+          </p:cNvSpPr>
+          <p:nvPr>
+            <p:ph sz="half" idx="1"/>
+          </p:nvPr>
+        </p:nvSpPr>
+        <p:spPr>
+          <a:xfrm>
+            <a:off x="1447331" y="2010878"/>
+            <a:ext cx="4645152" cy="3448595"/>
+          </a:xfrm>
+        </p:spPr>
+        <p:txBody>
+          <a:bodyPr/>
+          <a:lstStyle/>
+          <a:p>
+            <a:pPr lvl="0"/>
+            <a:r>
+              <a:rPr lang="zh-CN" altLang="en-US"/>
+              <a:t>单击此处编辑母版文本样式</a:t>
+            </a:r>
+          </a:p>
+          <a:p>
+            <a:pPr lvl="1"/>
+            <a:r>
+              <a:rPr lang="zh-CN" altLang="en-US"/>
+              <a:t>二级</a:t>
+            </a:r>
+          </a:p>
+          <a:p>
+            <a:pPr lvl="2"/>
+            <a:r>
+              <a:rPr lang="zh-CN" altLang="en-US"/>
+              <a:t>三级</a:t>
+            </a:r>
+          </a:p>
+          <a:p>
+            <a:pPr lvl="3"/>
+            <a:r>
+              <a:rPr lang="zh-CN" altLang="en-US"/>
+              <a:t>四级</a:t>
+            </a:r>
+          </a:p>
+          <a:p>
+            <a:pPr lvl="4"/>
+            <a:r>
+              <a:rPr lang="zh-CN" altLang="en-US"/>
+              <a:t>五级</a:t>
+            </a:r>
+            <a:endParaRPr lang="en-US" dirty="0"/>
+          </a:p>
+        </p:txBody>
+      </p:sp>
+      <p:sp>
+        <p:nvSpPr>
+          <p:cNvPr id="4" name="Content Placeholder 3"/>
+          <p:cNvSpPr>
+            <a:spLocks noGrp="1"/>
+          </p:cNvSpPr>
+          <p:nvPr>
+            <p:ph sz="half" idx="2"/>
+          </p:nvPr>
+        </p:nvSpPr>
+        <p:spPr>
+          <a:xfrm>
+            <a:off x="6413771" y="2017343"/>
+            <a:ext cx="4645152" cy="3441520"/>
+          </a:xfrm>
+        </p:spPr>
+        <p:txBody>
+          <a:bodyPr/>
+          <a:lstStyle/>
+          <a:p>
+            <a:pPr lvl="0"/>
+            <a:r>
+              <a:rPr lang="zh-CN" altLang="en-US"/>
+              <a:t>单击此处编辑母版文本样式</a:t>
+            </a:r>
+          </a:p>
+          <a:p>
+            <a:pPr lvl="1"/>
+            <a:r>
+              <a:rPr lang="zh-CN" altLang="en-US"/>
+              <a:t>二级</a:t>
+            </a:r>
+          </a:p>
+          <a:p>
+            <a:pPr lvl="2"/>
+            <a:r>
+              <a:rPr lang="zh-CN" altLang="en-US"/>
+              <a:t>三级</a:t>
+            </a:r>
+          </a:p>
+          <a:p>
+            <a:pPr lvl="3"/>
+            <a:r>
+              <a:rPr lang="zh-CN" altLang="en-US"/>
+              <a:t>四级</a:t>
+            </a:r>
+          </a:p>
+          <a:p>
+            <a:pPr lvl="4"/>
+            <a:r>
+              <a:rPr lang="zh-CN" altLang="en-US"/>
+              <a:t>五级</a:t>
+            </a:r>
+            <a:endParaRPr lang="en-US" dirty="0"/>
+          </a:p>
+        </p:txBody>
+      </p:sp>
+      <p:sp>
+        <p:nvSpPr>
+          <p:cNvPr id="5" name="Date Placeholder 4"/>
+          <p:cNvSpPr>
+            <a:spLocks noGrp="1"/>
+          </p:cNvSpPr>
+          <p:nvPr>
+            <p:ph type="dt" sz="half" idx="10"/>
+          </p:nvPr>
+        </p:nvSpPr>
+        <p:spPr/>
+        <p:txBody>
+          <a:bodyPr/>
+          <a:lstStyle/>
+          <a:p>
+            <a:endParaRPr lang="zh-CN" altLang="en-US"/>
+          </a:p>
+        </p:txBody>
+      </p:sp>
+      <p:sp>
+        <p:nvSpPr>
+          <p:cNvPr id="6" name="Footer Placeholder 5"/>
+          <p:cNvSpPr>
+            <a:spLocks noGrp="1"/>
+          </p:cNvSpPr>
+          <p:nvPr>
+            <p:ph type="ftr" sz="quarter" idx="11"/>
+          </p:nvPr>
+        </p:nvSpPr>
+        <p:spPr/>
+        <p:txBody>
+          <a:bodyPr/>
+          <a:lstStyle/>
+          <a:p>
+            <a:endParaRPr lang="zh-CN" altLang="en-US"/>
+          </a:p>
+        </p:txBody>
+      </p:sp>
+      <p:sp>
+        <p:nvSpPr>
+          <p:cNvPr id="7" name="Slide Number Placeholder 6"/>
+          <p:cNvSpPr>
+            <a:spLocks noGrp="1"/>
+          </p:cNvSpPr>
+          <p:nvPr>
+            <p:ph type="sldNum" sz="quarter" idx="12"/>
+          </p:nvPr>
+        </p:nvSpPr>
+        <p:spPr/>
+        <p:txBody>
+          <a:bodyPr/>
+          <a:lstStyle/>
+          <a:p>
+            <a:fld id="{76A5C077-CD5E-4BED-A3AA-82686853085F}" type="slidenum">
+              <a:rPr lang="en-US" altLang="zh-CN" smtClean="0"/>
+              <a:t>‹#›</a:t>
+            </a:fld>
+            <a:endParaRPr lang="en-US" dirty="0"/>
+          </a:p>
+        </p:txBody>
+      </p:sp>
+      <p:cxnSp>
+        <p:nvCxnSpPr>
+          <p:cNvPr id="35" name="Straight Connector 34"/>
+          <p:cNvCxnSpPr/>
+          <p:nvPr/>
+        </p:nvCxnSpPr>
+        <p:spPr>
+          <a:xfrm>
+            <a:off x="1453896" y="1847088"/>
+            <a:ext cx="9607522" cy="0"/>
+          </a:xfrm>
+          <a:prstGeom prst="line">
+            <a:avLst/>
+          </a:prstGeom>
+          <a:ln w="31750"/>
+        </p:spPr>
+        <p:style>
+          <a:lnRef idx="3">
+            <a:schemeClr val="accent1"/>
+          </a:lnRef>
+          <a:fillRef idx="0">
+            <a:schemeClr val="accent1"/>
+          </a:fillRef>
+          <a:effectRef idx="2">
+            <a:schemeClr val="accent1"/>
+          </a:effectRef>
+          <a:fontRef idx="minor">
+            <a:schemeClr val="tx1"/>
+          </a:fontRef>
+        </p:style>
+      </p:cxnSp>
+    </p:spTree>
+    <p:extLst>
+      <p:ext uri="{BB962C8B-B14F-4D97-AF65-F5344CB8AC3E}">
+        <p14:creationId xmlns:p14="http://schemas.microsoft.com/office/powerpoint/2010/main" val="2909926032"/>
+      </p:ext>
+    </p:extLst>
+  </p:cSld>
+  <p:clrMapOvr>
+    <a:masterClrMapping/>
+  </p:clrMapOvr>
+  <p:hf hdr="0" ftr="0" dt="0"/>
+</p:sldLayout>
+</file>
+
+<file path=ppt/slideLayouts/slideLayout5.xml><?xml version="1.0" encoding="utf-8"?>
+<p:sldLayout xmlns:a="http://schemas.openxmlformats.org/drawingml/2006/main" xmlns:r="http://schemas.openxmlformats.org/officeDocument/2006/relationships" xmlns:p="http://schemas.openxmlformats.org/presentationml/2006/main" type="twoTxTwoObj" preserve="1">
+  <p:cSld name="比较">
+    <p:spTree>
+      <p:nvGrpSpPr>
+        <p:cNvPr id="1" name=""/>
+        <p:cNvGrpSpPr/>
+        <p:nvPr/>
+      </p:nvGrpSpPr>
+      <p:grpSpPr>
+        <a:xfrm>
+          <a:off x="0" y="0"/>
+          <a:ext cx="0" cy="0"/>
+          <a:chOff x="0" y="0"/>
+          <a:chExt cx="0" cy="0"/>
+        </a:xfrm>
+      </p:grpSpPr>
+      <p:sp>
+        <p:nvSpPr>
+          <p:cNvPr id="2" name="Title 1"/>
+          <p:cNvSpPr>
+            <a:spLocks noGrp="1"/>
+          </p:cNvSpPr>
+          <p:nvPr>
+            <p:ph type="title"/>
+          </p:nvPr>
+        </p:nvSpPr>
+        <p:spPr>
+          <a:xfrm>
+            <a:off x="1447191" y="804163"/>
+            <a:ext cx="9607661" cy="1056319"/>
+          </a:xfrm>
+        </p:spPr>
+        <p:txBody>
+          <a:bodyPr/>
+          <a:lstStyle/>
+          <a:p>
+            <a:r>
+              <a:rPr lang="zh-CN" altLang="en-US"/>
+              <a:t>单击此处编辑母版标题样式</a:t>
+            </a:r>
+            <a:endParaRPr lang="en-US" dirty="0"/>
+          </a:p>
+        </p:txBody>
+      </p:sp>
+      <p:sp>
+        <p:nvSpPr>
+          <p:cNvPr id="3" name="Text Placeholder 2"/>
+          <p:cNvSpPr>
+            <a:spLocks noGrp="1"/>
+          </p:cNvSpPr>
+          <p:nvPr>
+            <p:ph type="body" idx="1"/>
+          </p:nvPr>
+        </p:nvSpPr>
+        <p:spPr>
+          <a:xfrm>
+            <a:off x="1447191" y="2019549"/>
+            <a:ext cx="4645152" cy="801943"/>
+          </a:xfrm>
+        </p:spPr>
+        <p:txBody>
+          <a:bodyPr anchor="b">
+            <a:normAutofit/>
+          </a:bodyPr>
+          <a:lstStyle>
+            <a:lvl1pPr marL="0" indent="0">
+              <a:lnSpc>
+                <a:spcPct val="100000"/>
+              </a:lnSpc>
+              <a:buNone/>
+              <a:defRPr sz="2200" b="0" cap="all" baseline="0">
+                <a:solidFill>
+                  <a:schemeClr val="accent1"/>
+                </a:solidFill>
+              </a:defRPr>
+            </a:lvl1pPr>
+            <a:lvl2pPr marL="457200" indent="0">
+              <a:buNone/>
+              <a:defRPr sz="2000" b="1"/>
+            </a:lvl2pPr>
+            <a:lvl3pPr marL="914400" indent="0">
+              <a:buNone/>
+              <a:defRPr sz="1800" b="1"/>
+            </a:lvl3pPr>
+            <a:lvl4pPr marL="1371600" indent="0">
+              <a:buNone/>
+              <a:defRPr sz="1600" b="1"/>
+            </a:lvl4pPr>
+            <a:lvl5pPr marL="1828800" indent="0">
+              <a:buNone/>
+              <a:defRPr sz="1600" b="1"/>
+            </a:lvl5pPr>
+            <a:lvl6pPr marL="2286000" indent="0">
+              <a:buNone/>
+              <a:defRPr sz="1600" b="1"/>
+            </a:lvl6pPr>
+            <a:lvl7pPr marL="2743200" indent="0">
+              <a:buNone/>
+              <a:defRPr sz="1600" b="1"/>
+            </a:lvl7pPr>
+            <a:lvl8pPr marL="3200400" indent="0">
+              <a:buNone/>
+              <a:defRPr sz="1600" b="1"/>
+            </a:lvl8pPr>
+            <a:lvl9pPr marL="3657600" indent="0">
+              <a:buNone/>
+              <a:defRPr sz="1600" b="1"/>
+            </a:lvl9pPr>
+          </a:lstStyle>
+          <a:p>
+            <a:pPr lvl="0"/>
+            <a:r>
+              <a:rPr lang="zh-CN" altLang="en-US"/>
+              <a:t>单击此处编辑母版文本样式</a:t>
+            </a:r>
+          </a:p>
+        </p:txBody>
+      </p:sp>
+      <p:sp>
+        <p:nvSpPr>
+          <p:cNvPr id="4" name="Content Placeholder 3"/>
+          <p:cNvSpPr>
+            <a:spLocks noGrp="1"/>
+          </p:cNvSpPr>
+          <p:nvPr>
+            <p:ph sz="half" idx="2"/>
+          </p:nvPr>
+        </p:nvSpPr>
+        <p:spPr>
+          <a:xfrm>
+            <a:off x="1447191" y="2824269"/>
+            <a:ext cx="4645152" cy="2644457"/>
+          </a:xfrm>
+        </p:spPr>
+        <p:txBody>
+          <a:bodyPr/>
+          <a:lstStyle/>
+          <a:p>
+            <a:pPr lvl="0"/>
+            <a:r>
+              <a:rPr lang="zh-CN" altLang="en-US"/>
+              <a:t>单击此处编辑母版文本样式</a:t>
+            </a:r>
+          </a:p>
+          <a:p>
+            <a:pPr lvl="1"/>
+            <a:r>
+              <a:rPr lang="zh-CN" altLang="en-US"/>
+              <a:t>二级</a:t>
+            </a:r>
+          </a:p>
+          <a:p>
+            <a:pPr lvl="2"/>
+            <a:r>
+              <a:rPr lang="zh-CN" altLang="en-US"/>
+              <a:t>三级</a:t>
+            </a:r>
+          </a:p>
+          <a:p>
+            <a:pPr lvl="3"/>
+            <a:r>
+              <a:rPr lang="zh-CN" altLang="en-US"/>
+              <a:t>四级</a:t>
+            </a:r>
+          </a:p>
+          <a:p>
+            <a:pPr lvl="4"/>
+            <a:r>
+              <a:rPr lang="zh-CN" altLang="en-US"/>
+              <a:t>五级</a:t>
+            </a:r>
+            <a:endParaRPr lang="en-US" dirty="0"/>
+          </a:p>
+        </p:txBody>
+      </p:sp>
+      <p:sp>
+        <p:nvSpPr>
+          <p:cNvPr id="5" name="Text Placeholder 4"/>
+          <p:cNvSpPr>
+            <a:spLocks noGrp="1"/>
+          </p:cNvSpPr>
+          <p:nvPr>
+            <p:ph type="body" sz="quarter" idx="3"/>
+          </p:nvPr>
+        </p:nvSpPr>
+        <p:spPr>
+          <a:xfrm>
+            <a:off x="6412362" y="2023003"/>
+            <a:ext cx="4645152" cy="802237"/>
+          </a:xfrm>
+        </p:spPr>
+        <p:txBody>
+          <a:bodyPr anchor="b">
+            <a:normAutofit/>
+          </a:bodyPr>
+          <a:lstStyle>
+            <a:lvl1pPr marL="0" indent="0">
+              <a:lnSpc>
+                <a:spcPct val="100000"/>
+              </a:lnSpc>
+              <a:buNone/>
+              <a:defRPr sz="2200" b="0" cap="all" baseline="0">
+                <a:solidFill>
+                  <a:schemeClr val="accent1"/>
+                </a:solidFill>
+              </a:defRPr>
+            </a:lvl1pPr>
+            <a:lvl2pPr marL="457200" indent="0">
+              <a:buNone/>
+              <a:defRPr sz="2000" b="1"/>
+            </a:lvl2pPr>
+            <a:lvl3pPr marL="914400" indent="0">
+              <a:buNone/>
+              <a:defRPr sz="1800" b="1"/>
+            </a:lvl3pPr>
+            <a:lvl4pPr marL="1371600" indent="0">
+              <a:buNone/>
+              <a:defRPr sz="1600" b="1"/>
+            </a:lvl4pPr>
+            <a:lvl5pPr marL="1828800" indent="0">
+              <a:buNone/>
+              <a:defRPr sz="1600" b="1"/>
+            </a:lvl5pPr>
+            <a:lvl6pPr marL="2286000" indent="0">
+              <a:buNone/>
+              <a:defRPr sz="1600" b="1"/>
+            </a:lvl6pPr>
+            <a:lvl7pPr marL="2743200" indent="0">
+              <a:buNone/>
+              <a:defRPr sz="1600" b="1"/>
+            </a:lvl7pPr>
+            <a:lvl8pPr marL="3200400" indent="0">
+              <a:buNone/>
+              <a:defRPr sz="1600" b="1"/>
+            </a:lvl8pPr>
+            <a:lvl9pPr marL="3657600" indent="0">
+              <a:buNone/>
+              <a:defRPr sz="1600" b="1"/>
+            </a:lvl9pPr>
+          </a:lstStyle>
+          <a:p>
+            <a:pPr lvl="0"/>
+            <a:r>
+              <a:rPr lang="zh-CN" altLang="en-US"/>
+              <a:t>单击此处编辑母版文本样式</a:t>
+            </a:r>
+          </a:p>
+        </p:txBody>
+      </p:sp>
+      <p:sp>
+        <p:nvSpPr>
+          <p:cNvPr id="6" name="Content Placeholder 5"/>
+          <p:cNvSpPr>
+            <a:spLocks noGrp="1"/>
+          </p:cNvSpPr>
+          <p:nvPr>
+            <p:ph sz="quarter" idx="4"/>
+          </p:nvPr>
+        </p:nvSpPr>
+        <p:spPr>
+          <a:xfrm>
+            <a:off x="6412362" y="2821491"/>
+            <a:ext cx="4645152" cy="2637371"/>
+          </a:xfrm>
+        </p:spPr>
+        <p:txBody>
+          <a:bodyPr/>
+          <a:lstStyle/>
+          <a:p>
+            <a:pPr lvl="0"/>
+            <a:r>
+              <a:rPr lang="zh-CN" altLang="en-US"/>
+              <a:t>单击此处编辑母版文本样式</a:t>
+            </a:r>
+          </a:p>
+          <a:p>
+            <a:pPr lvl="1"/>
+            <a:r>
+              <a:rPr lang="zh-CN" altLang="en-US"/>
+              <a:t>二级</a:t>
+            </a:r>
+          </a:p>
+          <a:p>
+            <a:pPr lvl="2"/>
+            <a:r>
+              <a:rPr lang="zh-CN" altLang="en-US"/>
+              <a:t>三级</a:t>
+            </a:r>
+          </a:p>
+          <a:p>
+            <a:pPr lvl="3"/>
+            <a:r>
+              <a:rPr lang="zh-CN" altLang="en-US"/>
+              <a:t>四级</a:t>
+            </a:r>
+          </a:p>
+          <a:p>
+            <a:pPr lvl="4"/>
+            <a:r>
+              <a:rPr lang="zh-CN" altLang="en-US"/>
+              <a:t>五级</a:t>
+            </a:r>
+            <a:endParaRPr lang="en-US" dirty="0"/>
+          </a:p>
+        </p:txBody>
+      </p:sp>
+      <p:sp>
+        <p:nvSpPr>
+          <p:cNvPr id="7" name="Date Placeholder 6"/>
+          <p:cNvSpPr>
+            <a:spLocks noGrp="1"/>
+          </p:cNvSpPr>
+          <p:nvPr>
+            <p:ph type="dt" sz="half" idx="10"/>
+          </p:nvPr>
+        </p:nvSpPr>
+        <p:spPr/>
+        <p:txBody>
+          <a:bodyPr/>
+          <a:lstStyle/>
+          <a:p>
+            <a:endParaRPr lang="zh-CN" altLang="en-US"/>
+          </a:p>
+        </p:txBody>
+      </p:sp>
+      <p:sp>
+        <p:nvSpPr>
+          <p:cNvPr id="8" name="Footer Placeholder 7"/>
+          <p:cNvSpPr>
+            <a:spLocks noGrp="1"/>
+          </p:cNvSpPr>
+          <p:nvPr>
+            <p:ph type="ftr" sz="quarter" idx="11"/>
+          </p:nvPr>
+        </p:nvSpPr>
+        <p:spPr/>
+        <p:txBody>
+          <a:bodyPr/>
+          <a:lstStyle/>
+          <a:p>
+            <a:endParaRPr lang="zh-CN" altLang="en-US"/>
+          </a:p>
+        </p:txBody>
+      </p:sp>
+      <p:sp>
+        <p:nvSpPr>
+          <p:cNvPr id="9" name="Slide Number Placeholder 8"/>
+          <p:cNvSpPr>
+            <a:spLocks noGrp="1"/>
+          </p:cNvSpPr>
+          <p:nvPr>
+            <p:ph type="sldNum" sz="quarter" idx="12"/>
+          </p:nvPr>
+        </p:nvSpPr>
+        <p:spPr/>
+        <p:txBody>
+          <a:bodyPr/>
+          <a:lstStyle/>
+          <a:p>
+            <a:fld id="{76A5C077-CD5E-4BED-A3AA-82686853085F}" type="slidenum">
+              <a:rPr lang="en-US" altLang="zh-CN" smtClean="0"/>
+              <a:t>‹#›</a:t>
+            </a:fld>
+            <a:endParaRPr lang="en-US" dirty="0"/>
+          </a:p>
+        </p:txBody>
+      </p:sp>
+      <p:cxnSp>
+        <p:nvCxnSpPr>
+          <p:cNvPr id="29" name="Straight Connector 28"/>
+          <p:cNvCxnSpPr/>
+          <p:nvPr/>
+        </p:nvCxnSpPr>
+        <p:spPr>
+          <a:xfrm>
+            <a:off x="1453896" y="1847088"/>
+            <a:ext cx="9607522" cy="0"/>
+          </a:xfrm>
+          <a:prstGeom prst="line">
+            <a:avLst/>
+          </a:prstGeom>
+          <a:ln w="31750"/>
+        </p:spPr>
+        <p:style>
+          <a:lnRef idx="3">
+            <a:schemeClr val="accent1"/>
+          </a:lnRef>
+          <a:fillRef idx="0">
+            <a:schemeClr val="accent1"/>
+          </a:fillRef>
+          <a:effectRef idx="2">
+            <a:schemeClr val="accent1"/>
+          </a:effectRef>
+          <a:fontRef idx="minor">
+            <a:schemeClr val="tx1"/>
+          </a:fontRef>
+        </p:style>
+      </p:cxnSp>
+    </p:spTree>
+    <p:extLst>
+      <p:ext uri="{BB962C8B-B14F-4D97-AF65-F5344CB8AC3E}">
+        <p14:creationId xmlns:p14="http://schemas.microsoft.com/office/powerpoint/2010/main" val="44265784"/>
+      </p:ext>
+    </p:extLst>
+  </p:cSld>
+  <p:clrMapOvr>
+    <a:masterClrMapping/>
+  </p:clrMapOvr>
+  <p:hf hdr="0" ftr="0" dt="0"/>
+</p:sldLayout>
+</file>
+
+<file path=ppt/slideLayouts/slideLayout6.xml><?xml version="1.0" encoding="utf-8"?>
+<p:sldLayout xmlns:a="http://schemas.openxmlformats.org/drawingml/2006/main" xmlns:r="http://schemas.openxmlformats.org/officeDocument/2006/relationships" xmlns:p="http://schemas.openxmlformats.org/presentationml/2006/main" type="titleOnly" preserve="1">
+  <p:cSld name="仅标题">
+    <p:spTree>
+      <p:nvGrpSpPr>
+        <p:cNvPr id="1" name=""/>
+        <p:cNvGrpSpPr/>
+        <p:nvPr/>
+      </p:nvGrpSpPr>
+      <p:grpSpPr>
+        <a:xfrm>
+          <a:off x="0" y="0"/>
+          <a:ext cx="0" cy="0"/>
+          <a:chOff x="0" y="0"/>
+          <a:chExt cx="0" cy="0"/>
+        </a:xfrm>
+      </p:grpSpPr>
+      <p:sp>
+        <p:nvSpPr>
+          <p:cNvPr id="2" name="Title 1"/>
+          <p:cNvSpPr>
+            <a:spLocks noGrp="1"/>
+          </p:cNvSpPr>
+          <p:nvPr>
+            <p:ph type="title"/>
+          </p:nvPr>
+        </p:nvSpPr>
+        <p:spPr/>
+        <p:txBody>
+          <a:bodyPr/>
+          <a:lstStyle/>
+          <a:p>
+            <a:r>
+              <a:rPr lang="zh-CN" altLang="en-US"/>
+              <a:t>单击此处编辑母版标题样式</a:t>
+            </a:r>
+            <a:endParaRPr lang="en-US" dirty="0"/>
+          </a:p>
+        </p:txBody>
+      </p:sp>
+      <p:sp>
+        <p:nvSpPr>
+          <p:cNvPr id="3" name="Date Placeholder 2"/>
+          <p:cNvSpPr>
+            <a:spLocks noGrp="1"/>
+          </p:cNvSpPr>
+          <p:nvPr>
+            <p:ph type="dt" sz="half" idx="10"/>
+          </p:nvPr>
+        </p:nvSpPr>
+        <p:spPr/>
+        <p:txBody>
+          <a:bodyPr/>
+          <a:lstStyle/>
+          <a:p>
+            <a:endParaRPr lang="zh-CN" altLang="en-US"/>
+          </a:p>
+        </p:txBody>
+      </p:sp>
+      <p:sp>
+        <p:nvSpPr>
+          <p:cNvPr id="4" name="Footer Placeholder 3"/>
+          <p:cNvSpPr>
+            <a:spLocks noGrp="1"/>
+          </p:cNvSpPr>
+          <p:nvPr>
+            <p:ph type="ftr" sz="quarter" idx="11"/>
+          </p:nvPr>
+        </p:nvSpPr>
+        <p:spPr/>
+        <p:txBody>
+          <a:bodyPr/>
+          <a:lstStyle/>
+          <a:p>
+            <a:endParaRPr lang="zh-CN" altLang="en-US"/>
+          </a:p>
+        </p:txBody>
+      </p:sp>
+      <p:sp>
+        <p:nvSpPr>
+          <p:cNvPr id="5" name="Slide Number Placeholder 4"/>
+          <p:cNvSpPr>
+            <a:spLocks noGrp="1"/>
+          </p:cNvSpPr>
+          <p:nvPr>
+            <p:ph type="sldNum" sz="quarter" idx="12"/>
+          </p:nvPr>
+        </p:nvSpPr>
+        <p:spPr/>
+        <p:txBody>
+          <a:bodyPr/>
+          <a:lstStyle/>
+          <a:p>
+            <a:fld id="{76A5C077-CD5E-4BED-A3AA-82686853085F}" type="slidenum">
+              <a:rPr lang="en-US" altLang="zh-CN" smtClean="0"/>
+              <a:t>‹#›</a:t>
+            </a:fld>
+            <a:endParaRPr lang="en-US" dirty="0"/>
+          </a:p>
+        </p:txBody>
+      </p:sp>
+      <p:cxnSp>
+        <p:nvCxnSpPr>
+          <p:cNvPr id="25" name="Straight Connector 24"/>
+          <p:cNvCxnSpPr/>
+          <p:nvPr/>
+        </p:nvCxnSpPr>
+        <p:spPr>
+          <a:xfrm>
+            <a:off x="1453896" y="1847088"/>
+            <a:ext cx="9607522" cy="0"/>
+          </a:xfrm>
+          <a:prstGeom prst="line">
+            <a:avLst/>
+          </a:prstGeom>
+          <a:ln w="31750"/>
+        </p:spPr>
+        <p:style>
+          <a:lnRef idx="3">
+            <a:schemeClr val="accent1"/>
+          </a:lnRef>
+          <a:fillRef idx="0">
+            <a:schemeClr val="accent1"/>
+          </a:fillRef>
+          <a:effectRef idx="2">
+            <a:schemeClr val="accent1"/>
+          </a:effectRef>
+          <a:fontRef idx="minor">
+            <a:schemeClr val="tx1"/>
+          </a:fontRef>
+        </p:style>
+      </p:cxnSp>
+    </p:spTree>
+    <p:extLst>
+      <p:ext uri="{BB962C8B-B14F-4D97-AF65-F5344CB8AC3E}">
+        <p14:creationId xmlns:p14="http://schemas.microsoft.com/office/powerpoint/2010/main" val="300024915"/>
+      </p:ext>
+    </p:extLst>
+  </p:cSld>
+  <p:clrMapOvr>
+    <a:masterClrMapping/>
+  </p:clrMapOvr>
+  <p:hf hdr="0" ftr="0" dt="0"/>
+</p:sldLayout>
+</file>
+
+<file path=ppt/slideLayouts/slideLayout7.xml><?xml version="1.0" encoding="utf-8"?>
+<p:sldLayout xmlns:a="http://schemas.openxmlformats.org/drawingml/2006/main" xmlns:r="http://schemas.openxmlformats.org/officeDocument/2006/relationships" xmlns:p="http://schemas.openxmlformats.org/presentationml/2006/main" type="blank" preserve="1">
   <p:cSld name="空白">
     <p:spTree>
       <p:nvGrpSpPr>
@@ -1984,7 +3324,7 @@
       </p:grpSpPr>
       <p:sp>
         <p:nvSpPr>
-          <p:cNvPr id="2" name="日期占位符 1"/>
+          <p:cNvPr id="2" name="Date Placeholder 1"/>
           <p:cNvSpPr>
             <a:spLocks noGrp="1"/>
           </p:cNvSpPr>
@@ -1995,15 +3335,11 @@
         <p:spPr/>
         <p:txBody>
           <a:bodyPr/>
-          <a:lstStyle>
-            <a:lvl1pPr>
-              <a:defRPr/>
-            </a:lvl1pPr>
-          </a:lstStyle>
+          <a:lstStyle/>
           <a:p>
             <a:fld id="{31E9B5A5-62B1-4077-AD2E-861F183643E2}" type="datetime1">
-              <a:rPr lang="zh-CN" altLang="en-US"/>
-              <a:t>2020/4/21</a:t>
+              <a:rPr lang="zh-CN" altLang="en-US" smtClean="0"/>
+              <a:t>2020/6/2</a:t>
             </a:fld>
             <a:endParaRPr lang="en-US" altLang="zh-CN"/>
           </a:p>
@@ -2011,7 +3347,7 @@
       </p:sp>
       <p:sp>
         <p:nvSpPr>
-          <p:cNvPr id="3" name="页脚占位符 2"/>
+          <p:cNvPr id="3" name="Footer Placeholder 2"/>
           <p:cNvSpPr>
             <a:spLocks noGrp="1"/>
           </p:cNvSpPr>
@@ -2022,11 +3358,7 @@
         <p:spPr/>
         <p:txBody>
           <a:bodyPr/>
-          <a:lstStyle>
-            <a:lvl1pPr>
-              <a:defRPr/>
-            </a:lvl1pPr>
-          </a:lstStyle>
+          <a:lstStyle/>
           <a:p>
             <a:endParaRPr lang="en-US" altLang="zh-CN"/>
           </a:p>
@@ -2034,7 +3366,7 @@
       </p:sp>
       <p:sp>
         <p:nvSpPr>
-          <p:cNvPr id="4" name="灯片编号占位符 3"/>
+          <p:cNvPr id="4" name="Slide Number Placeholder 3"/>
           <p:cNvSpPr>
             <a:spLocks noGrp="1"/>
           </p:cNvSpPr>
@@ -2045,14 +3377,10 @@
         <p:spPr/>
         <p:txBody>
           <a:bodyPr/>
-          <a:lstStyle>
-            <a:lvl1pPr>
-              <a:defRPr/>
-            </a:lvl1pPr>
-          </a:lstStyle>
+          <a:lstStyle/>
           <a:p>
             <a:fld id="{07A01575-F1AC-4EA8-9D9F-A799D5D900F1}" type="slidenum">
-              <a:rPr lang="zh-CN" altLang="en-US"/>
+              <a:rPr lang="zh-CN" altLang="en-US" smtClean="0"/>
               <a:t>‹#›</a:t>
             </a:fld>
             <a:endParaRPr lang="en-US" altLang="zh-CN"/>
@@ -2060,6 +3388,11 @@
         </p:txBody>
       </p:sp>
     </p:spTree>
+    <p:extLst>
+      <p:ext uri="{BB962C8B-B14F-4D97-AF65-F5344CB8AC3E}">
+        <p14:creationId xmlns:p14="http://schemas.microsoft.com/office/powerpoint/2010/main" val="1393594035"/>
+      </p:ext>
+    </p:extLst>
   </p:cSld>
   <p:clrMapOvr>
     <a:masterClrMapping/>
@@ -2067,12 +3400,738 @@
 </p:sldLayout>
 </file>
 
+<file path=ppt/slideLayouts/slideLayout8.xml><?xml version="1.0" encoding="utf-8"?>
+<p:sldLayout xmlns:a="http://schemas.openxmlformats.org/drawingml/2006/main" xmlns:r="http://schemas.openxmlformats.org/officeDocument/2006/relationships" xmlns:p="http://schemas.openxmlformats.org/presentationml/2006/main" type="objTx" preserve="1">
+  <p:cSld name="内容与标题">
+    <p:spTree>
+      <p:nvGrpSpPr>
+        <p:cNvPr id="1" name=""/>
+        <p:cNvGrpSpPr/>
+        <p:nvPr/>
+      </p:nvGrpSpPr>
+      <p:grpSpPr>
+        <a:xfrm>
+          <a:off x="0" y="0"/>
+          <a:ext cx="0" cy="0"/>
+          <a:chOff x="0" y="0"/>
+          <a:chExt cx="0" cy="0"/>
+        </a:xfrm>
+      </p:grpSpPr>
+      <p:sp>
+        <p:nvSpPr>
+          <p:cNvPr id="2" name="Title 1"/>
+          <p:cNvSpPr>
+            <a:spLocks noGrp="1"/>
+          </p:cNvSpPr>
+          <p:nvPr>
+            <p:ph type="title"/>
+          </p:nvPr>
+        </p:nvSpPr>
+        <p:spPr>
+          <a:xfrm>
+            <a:off x="1444671" y="798973"/>
+            <a:ext cx="3273099" cy="2247117"/>
+          </a:xfrm>
+        </p:spPr>
+        <p:txBody>
+          <a:bodyPr anchor="b">
+            <a:normAutofit/>
+          </a:bodyPr>
+          <a:lstStyle>
+            <a:lvl1pPr algn="l">
+              <a:defRPr sz="2400"/>
+            </a:lvl1pPr>
+          </a:lstStyle>
+          <a:p>
+            <a:r>
+              <a:rPr lang="zh-CN" altLang="en-US"/>
+              <a:t>单击此处编辑母版标题样式</a:t>
+            </a:r>
+            <a:endParaRPr lang="en-US" dirty="0"/>
+          </a:p>
+        </p:txBody>
+      </p:sp>
+      <p:sp>
+        <p:nvSpPr>
+          <p:cNvPr id="3" name="Content Placeholder 2"/>
+          <p:cNvSpPr>
+            <a:spLocks noGrp="1"/>
+          </p:cNvSpPr>
+          <p:nvPr>
+            <p:ph idx="1"/>
+          </p:nvPr>
+        </p:nvSpPr>
+        <p:spPr>
+          <a:xfrm>
+            <a:off x="5043714" y="798974"/>
+            <a:ext cx="6012470" cy="4658826"/>
+          </a:xfrm>
+        </p:spPr>
+        <p:txBody>
+          <a:bodyPr anchor="ctr"/>
+          <a:lstStyle/>
+          <a:p>
+            <a:pPr lvl="0"/>
+            <a:r>
+              <a:rPr lang="zh-CN" altLang="en-US"/>
+              <a:t>单击此处编辑母版文本样式</a:t>
+            </a:r>
+          </a:p>
+          <a:p>
+            <a:pPr lvl="1"/>
+            <a:r>
+              <a:rPr lang="zh-CN" altLang="en-US"/>
+              <a:t>二级</a:t>
+            </a:r>
+          </a:p>
+          <a:p>
+            <a:pPr lvl="2"/>
+            <a:r>
+              <a:rPr lang="zh-CN" altLang="en-US"/>
+              <a:t>三级</a:t>
+            </a:r>
+          </a:p>
+          <a:p>
+            <a:pPr lvl="3"/>
+            <a:r>
+              <a:rPr lang="zh-CN" altLang="en-US"/>
+              <a:t>四级</a:t>
+            </a:r>
+          </a:p>
+          <a:p>
+            <a:pPr lvl="4"/>
+            <a:r>
+              <a:rPr lang="zh-CN" altLang="en-US"/>
+              <a:t>五级</a:t>
+            </a:r>
+            <a:endParaRPr lang="en-US" dirty="0"/>
+          </a:p>
+        </p:txBody>
+      </p:sp>
+      <p:sp>
+        <p:nvSpPr>
+          <p:cNvPr id="4" name="Text Placeholder 3"/>
+          <p:cNvSpPr>
+            <a:spLocks noGrp="1"/>
+          </p:cNvSpPr>
+          <p:nvPr>
+            <p:ph type="body" sz="half" idx="2"/>
+          </p:nvPr>
+        </p:nvSpPr>
+        <p:spPr>
+          <a:xfrm>
+            <a:off x="1444671" y="3205491"/>
+            <a:ext cx="3275013" cy="2248181"/>
+          </a:xfrm>
+        </p:spPr>
+        <p:txBody>
+          <a:bodyPr/>
+          <a:lstStyle>
+            <a:lvl1pPr marL="0" indent="0" algn="l">
+              <a:buNone/>
+              <a:defRPr sz="1600"/>
+            </a:lvl1pPr>
+            <a:lvl2pPr marL="457200" indent="0">
+              <a:buNone/>
+              <a:defRPr sz="1400"/>
+            </a:lvl2pPr>
+            <a:lvl3pPr marL="914400" indent="0">
+              <a:buNone/>
+              <a:defRPr sz="1200"/>
+            </a:lvl3pPr>
+            <a:lvl4pPr marL="1371600" indent="0">
+              <a:buNone/>
+              <a:defRPr sz="1000"/>
+            </a:lvl4pPr>
+            <a:lvl5pPr marL="1828800" indent="0">
+              <a:buNone/>
+              <a:defRPr sz="1000"/>
+            </a:lvl5pPr>
+            <a:lvl6pPr marL="2286000" indent="0">
+              <a:buNone/>
+              <a:defRPr sz="1000"/>
+            </a:lvl6pPr>
+            <a:lvl7pPr marL="2743200" indent="0">
+              <a:buNone/>
+              <a:defRPr sz="1000"/>
+            </a:lvl7pPr>
+            <a:lvl8pPr marL="3200400" indent="0">
+              <a:buNone/>
+              <a:defRPr sz="1000"/>
+            </a:lvl8pPr>
+            <a:lvl9pPr marL="3657600" indent="0">
+              <a:buNone/>
+              <a:defRPr sz="1000"/>
+            </a:lvl9pPr>
+          </a:lstStyle>
+          <a:p>
+            <a:pPr lvl="0"/>
+            <a:r>
+              <a:rPr lang="zh-CN" altLang="en-US"/>
+              <a:t>单击此处编辑母版文本样式</a:t>
+            </a:r>
+          </a:p>
+        </p:txBody>
+      </p:sp>
+      <p:sp>
+        <p:nvSpPr>
+          <p:cNvPr id="5" name="Date Placeholder 4"/>
+          <p:cNvSpPr>
+            <a:spLocks noGrp="1"/>
+          </p:cNvSpPr>
+          <p:nvPr>
+            <p:ph type="dt" sz="half" idx="10"/>
+          </p:nvPr>
+        </p:nvSpPr>
+        <p:spPr/>
+        <p:txBody>
+          <a:bodyPr/>
+          <a:lstStyle/>
+          <a:p>
+            <a:endParaRPr lang="zh-CN" altLang="en-US"/>
+          </a:p>
+        </p:txBody>
+      </p:sp>
+      <p:sp>
+        <p:nvSpPr>
+          <p:cNvPr id="6" name="Footer Placeholder 5"/>
+          <p:cNvSpPr>
+            <a:spLocks noGrp="1"/>
+          </p:cNvSpPr>
+          <p:nvPr>
+            <p:ph type="ftr" sz="quarter" idx="11"/>
+          </p:nvPr>
+        </p:nvSpPr>
+        <p:spPr/>
+        <p:txBody>
+          <a:bodyPr/>
+          <a:lstStyle/>
+          <a:p>
+            <a:endParaRPr lang="zh-CN" altLang="en-US"/>
+          </a:p>
+        </p:txBody>
+      </p:sp>
+      <p:sp>
+        <p:nvSpPr>
+          <p:cNvPr id="7" name="Slide Number Placeholder 6"/>
+          <p:cNvSpPr>
+            <a:spLocks noGrp="1"/>
+          </p:cNvSpPr>
+          <p:nvPr>
+            <p:ph type="sldNum" sz="quarter" idx="12"/>
+          </p:nvPr>
+        </p:nvSpPr>
+        <p:spPr/>
+        <p:txBody>
+          <a:bodyPr/>
+          <a:lstStyle/>
+          <a:p>
+            <a:fld id="{76A5C077-CD5E-4BED-A3AA-82686853085F}" type="slidenum">
+              <a:rPr lang="en-US" altLang="zh-CN" smtClean="0"/>
+              <a:t>‹#›</a:t>
+            </a:fld>
+            <a:endParaRPr lang="en-US" dirty="0"/>
+          </a:p>
+        </p:txBody>
+      </p:sp>
+      <p:cxnSp>
+        <p:nvCxnSpPr>
+          <p:cNvPr id="17" name="Straight Connector 16"/>
+          <p:cNvCxnSpPr/>
+          <p:nvPr/>
+        </p:nvCxnSpPr>
+        <p:spPr>
+          <a:xfrm>
+            <a:off x="1448280" y="3205491"/>
+            <a:ext cx="3269490" cy="0"/>
+          </a:xfrm>
+          <a:prstGeom prst="line">
+            <a:avLst/>
+          </a:prstGeom>
+          <a:ln w="31750"/>
+        </p:spPr>
+        <p:style>
+          <a:lnRef idx="3">
+            <a:schemeClr val="accent1"/>
+          </a:lnRef>
+          <a:fillRef idx="0">
+            <a:schemeClr val="accent1"/>
+          </a:fillRef>
+          <a:effectRef idx="2">
+            <a:schemeClr val="accent1"/>
+          </a:effectRef>
+          <a:fontRef idx="minor">
+            <a:schemeClr val="tx1"/>
+          </a:fontRef>
+        </p:style>
+      </p:cxnSp>
+    </p:spTree>
+    <p:extLst>
+      <p:ext uri="{BB962C8B-B14F-4D97-AF65-F5344CB8AC3E}">
+        <p14:creationId xmlns:p14="http://schemas.microsoft.com/office/powerpoint/2010/main" val="870230315"/>
+      </p:ext>
+    </p:extLst>
+  </p:cSld>
+  <p:clrMapOvr>
+    <a:masterClrMapping/>
+  </p:clrMapOvr>
+  <p:hf hdr="0" ftr="0" dt="0"/>
+</p:sldLayout>
+</file>
+
+<file path=ppt/slideLayouts/slideLayout9.xml><?xml version="1.0" encoding="utf-8"?>
+<p:sldLayout xmlns:a="http://schemas.openxmlformats.org/drawingml/2006/main" xmlns:r="http://schemas.openxmlformats.org/officeDocument/2006/relationships" xmlns:p="http://schemas.openxmlformats.org/presentationml/2006/main" type="picTx" preserve="1">
+  <p:cSld name="图片与标题">
+    <p:spTree>
+      <p:nvGrpSpPr>
+        <p:cNvPr id="1" name=""/>
+        <p:cNvGrpSpPr/>
+        <p:nvPr/>
+      </p:nvGrpSpPr>
+      <p:grpSpPr>
+        <a:xfrm>
+          <a:off x="0" y="0"/>
+          <a:ext cx="0" cy="0"/>
+          <a:chOff x="0" y="0"/>
+          <a:chExt cx="0" cy="0"/>
+        </a:xfrm>
+      </p:grpSpPr>
+      <p:grpSp>
+        <p:nvGrpSpPr>
+          <p:cNvPr id="8" name="Group 7"/>
+          <p:cNvGrpSpPr/>
+          <p:nvPr/>
+        </p:nvGrpSpPr>
+        <p:grpSpPr>
+          <a:xfrm>
+            <a:off x="7477387" y="482170"/>
+            <a:ext cx="4074533" cy="5149101"/>
+            <a:chOff x="7477387" y="482170"/>
+            <a:chExt cx="4074533" cy="5149101"/>
+          </a:xfrm>
+        </p:grpSpPr>
+        <p:sp>
+          <p:nvSpPr>
+            <p:cNvPr id="18" name="Rectangle 17"/>
+            <p:cNvSpPr/>
+            <p:nvPr/>
+          </p:nvSpPr>
+          <p:spPr bwMode="black">
+            <a:xfrm>
+              <a:off x="7477387" y="482170"/>
+              <a:ext cx="4074533" cy="5149101"/>
+            </a:xfrm>
+            <a:prstGeom prst="rect">
+              <a:avLst/>
+            </a:prstGeom>
+            <a:gradFill>
+              <a:gsLst>
+                <a:gs pos="0">
+                  <a:srgbClr val="000001"/>
+                </a:gs>
+                <a:gs pos="100000">
+                  <a:srgbClr val="191919"/>
+                </a:gs>
+              </a:gsLst>
+            </a:gradFill>
+            <a:ln w="76200" cmpd="sng">
+              <a:noFill/>
+              <a:miter lim="800000"/>
+            </a:ln>
+            <a:effectLst>
+              <a:outerShdw blurRad="127000" dist="228600" dir="4740000" sx="98000" sy="98000" algn="tl" rotWithShape="0">
+                <a:srgbClr val="000000">
+                  <a:alpha val="34000"/>
+                </a:srgbClr>
+              </a:outerShdw>
+            </a:effectLst>
+            <a:scene3d>
+              <a:camera prst="orthographicFront"/>
+              <a:lightRig rig="threePt" dir="t"/>
+            </a:scene3d>
+            <a:sp3d>
+              <a:bevelT w="152400" h="50800" prst="softRound"/>
+            </a:sp3d>
+          </p:spPr>
+          <p:style>
+            <a:lnRef idx="1">
+              <a:schemeClr val="accent1"/>
+            </a:lnRef>
+            <a:fillRef idx="3">
+              <a:schemeClr val="accent1"/>
+            </a:fillRef>
+            <a:effectRef idx="2">
+              <a:schemeClr val="accent1"/>
+            </a:effectRef>
+            <a:fontRef idx="minor">
+              <a:schemeClr val="lt1"/>
+            </a:fontRef>
+          </p:style>
+        </p:sp>
+        <p:sp>
+          <p:nvSpPr>
+            <p:cNvPr id="19" name="Rectangle 18"/>
+            <p:cNvSpPr/>
+            <p:nvPr/>
+          </p:nvSpPr>
+          <p:spPr bwMode="blackWhite">
+            <a:xfrm>
+              <a:off x="7790446" y="812506"/>
+              <a:ext cx="3450289" cy="4466452"/>
+            </a:xfrm>
+            <a:prstGeom prst="rect">
+              <a:avLst/>
+            </a:prstGeom>
+            <a:gradFill>
+              <a:gsLst>
+                <a:gs pos="0">
+                  <a:srgbClr val="DADADA"/>
+                </a:gs>
+                <a:gs pos="100000">
+                  <a:srgbClr val="FFFFFE"/>
+                </a:gs>
+              </a:gsLst>
+              <a:lin ang="16200000" scaled="0"/>
+            </a:gradFill>
+            <a:ln w="50800" cmpd="sng">
+              <a:solidFill>
+                <a:srgbClr val="191919"/>
+              </a:solidFill>
+              <a:miter lim="800000"/>
+            </a:ln>
+            <a:effectLst>
+              <a:innerShdw blurRad="63500" dist="88900" dir="14100000">
+                <a:srgbClr val="000000">
+                  <a:alpha val="30000"/>
+                </a:srgbClr>
+              </a:innerShdw>
+            </a:effectLst>
+            <a:scene3d>
+              <a:camera prst="orthographicFront"/>
+              <a:lightRig rig="threePt" dir="t"/>
+            </a:scene3d>
+            <a:sp3d>
+              <a:bevelT prst="relaxedInset"/>
+            </a:sp3d>
+          </p:spPr>
+          <p:style>
+            <a:lnRef idx="1">
+              <a:schemeClr val="accent1"/>
+            </a:lnRef>
+            <a:fillRef idx="3">
+              <a:schemeClr val="accent1"/>
+            </a:fillRef>
+            <a:effectRef idx="2">
+              <a:schemeClr val="accent1"/>
+            </a:effectRef>
+            <a:fontRef idx="minor">
+              <a:schemeClr val="lt1"/>
+            </a:fontRef>
+          </p:style>
+        </p:sp>
+      </p:grpSp>
+      <p:sp>
+        <p:nvSpPr>
+          <p:cNvPr id="2" name="Title 1"/>
+          <p:cNvSpPr>
+            <a:spLocks noGrp="1"/>
+          </p:cNvSpPr>
+          <p:nvPr>
+            <p:ph type="title"/>
+          </p:nvPr>
+        </p:nvSpPr>
+        <p:spPr>
+          <a:xfrm>
+            <a:off x="1451206" y="1129513"/>
+            <a:ext cx="5532328" cy="1830584"/>
+          </a:xfrm>
+        </p:spPr>
+        <p:txBody>
+          <a:bodyPr anchor="b">
+            <a:normAutofit/>
+          </a:bodyPr>
+          <a:lstStyle>
+            <a:lvl1pPr>
+              <a:defRPr sz="3200"/>
+            </a:lvl1pPr>
+          </a:lstStyle>
+          <a:p>
+            <a:r>
+              <a:rPr lang="zh-CN" altLang="en-US"/>
+              <a:t>单击此处编辑母版标题样式</a:t>
+            </a:r>
+            <a:endParaRPr lang="en-US" dirty="0"/>
+          </a:p>
+        </p:txBody>
+      </p:sp>
+      <p:sp>
+        <p:nvSpPr>
+          <p:cNvPr id="3" name="Picture Placeholder 2"/>
+          <p:cNvSpPr>
+            <a:spLocks noGrp="1" noChangeAspect="1"/>
+          </p:cNvSpPr>
+          <p:nvPr>
+            <p:ph type="pic" idx="1"/>
+          </p:nvPr>
+        </p:nvSpPr>
+        <p:spPr>
+          <a:xfrm>
+            <a:off x="8124389" y="1122542"/>
+            <a:ext cx="2791171" cy="3866327"/>
+          </a:xfrm>
+          <a:solidFill>
+            <a:schemeClr val="bg1">
+              <a:lumMod val="85000"/>
+            </a:schemeClr>
+          </a:solidFill>
+          <a:ln w="9525" cap="sq">
+            <a:noFill/>
+            <a:miter lim="800000"/>
+          </a:ln>
+          <a:effectLst/>
+        </p:spPr>
+        <p:txBody>
+          <a:bodyPr anchor="t"/>
+          <a:lstStyle>
+            <a:lvl1pPr marL="0" indent="0" algn="ctr">
+              <a:buNone/>
+              <a:defRPr sz="3200"/>
+            </a:lvl1pPr>
+            <a:lvl2pPr marL="457200" indent="0">
+              <a:buNone/>
+              <a:defRPr sz="2800"/>
+            </a:lvl2pPr>
+            <a:lvl3pPr marL="914400" indent="0">
+              <a:buNone/>
+              <a:defRPr sz="2400"/>
+            </a:lvl3pPr>
+            <a:lvl4pPr marL="1371600" indent="0">
+              <a:buNone/>
+              <a:defRPr sz="2000"/>
+            </a:lvl4pPr>
+            <a:lvl5pPr marL="1828800" indent="0">
+              <a:buNone/>
+              <a:defRPr sz="2000"/>
+            </a:lvl5pPr>
+            <a:lvl6pPr marL="2286000" indent="0">
+              <a:buNone/>
+              <a:defRPr sz="2000"/>
+            </a:lvl6pPr>
+            <a:lvl7pPr marL="2743200" indent="0">
+              <a:buNone/>
+              <a:defRPr sz="2000"/>
+            </a:lvl7pPr>
+            <a:lvl8pPr marL="3200400" indent="0">
+              <a:buNone/>
+              <a:defRPr sz="2000"/>
+            </a:lvl8pPr>
+            <a:lvl9pPr marL="3657600" indent="0">
+              <a:buNone/>
+              <a:defRPr sz="2000"/>
+            </a:lvl9pPr>
+          </a:lstStyle>
+          <a:p>
+            <a:r>
+              <a:rPr lang="zh-CN" altLang="en-US"/>
+              <a:t>单击图标添加图片</a:t>
+            </a:r>
+            <a:endParaRPr lang="en-US" dirty="0"/>
+          </a:p>
+        </p:txBody>
+      </p:sp>
+      <p:sp>
+        <p:nvSpPr>
+          <p:cNvPr id="4" name="Text Placeholder 3"/>
+          <p:cNvSpPr>
+            <a:spLocks noGrp="1"/>
+          </p:cNvSpPr>
+          <p:nvPr>
+            <p:ph type="body" sz="half" idx="2"/>
+          </p:nvPr>
+        </p:nvSpPr>
+        <p:spPr>
+          <a:xfrm>
+            <a:off x="1450329" y="3145992"/>
+            <a:ext cx="5524404" cy="2003742"/>
+          </a:xfrm>
+        </p:spPr>
+        <p:txBody>
+          <a:bodyPr>
+            <a:normAutofit/>
+          </a:bodyPr>
+          <a:lstStyle>
+            <a:lvl1pPr marL="0" indent="0" algn="l">
+              <a:buNone/>
+              <a:defRPr sz="1800"/>
+            </a:lvl1pPr>
+            <a:lvl2pPr marL="457200" indent="0">
+              <a:buNone/>
+              <a:defRPr sz="1400"/>
+            </a:lvl2pPr>
+            <a:lvl3pPr marL="914400" indent="0">
+              <a:buNone/>
+              <a:defRPr sz="1200"/>
+            </a:lvl3pPr>
+            <a:lvl4pPr marL="1371600" indent="0">
+              <a:buNone/>
+              <a:defRPr sz="1000"/>
+            </a:lvl4pPr>
+            <a:lvl5pPr marL="1828800" indent="0">
+              <a:buNone/>
+              <a:defRPr sz="1000"/>
+            </a:lvl5pPr>
+            <a:lvl6pPr marL="2286000" indent="0">
+              <a:buNone/>
+              <a:defRPr sz="1000"/>
+            </a:lvl6pPr>
+            <a:lvl7pPr marL="2743200" indent="0">
+              <a:buNone/>
+              <a:defRPr sz="1000"/>
+            </a:lvl7pPr>
+            <a:lvl8pPr marL="3200400" indent="0">
+              <a:buNone/>
+              <a:defRPr sz="1000"/>
+            </a:lvl8pPr>
+            <a:lvl9pPr marL="3657600" indent="0">
+              <a:buNone/>
+              <a:defRPr sz="1000"/>
+            </a:lvl9pPr>
+          </a:lstStyle>
+          <a:p>
+            <a:pPr lvl="0"/>
+            <a:r>
+              <a:rPr lang="zh-CN" altLang="en-US"/>
+              <a:t>单击此处编辑母版文本样式</a:t>
+            </a:r>
+          </a:p>
+        </p:txBody>
+      </p:sp>
+      <p:sp>
+        <p:nvSpPr>
+          <p:cNvPr id="5" name="Date Placeholder 4"/>
+          <p:cNvSpPr>
+            <a:spLocks noGrp="1"/>
+          </p:cNvSpPr>
+          <p:nvPr>
+            <p:ph type="dt" sz="half" idx="10"/>
+          </p:nvPr>
+        </p:nvSpPr>
+        <p:spPr>
+          <a:xfrm>
+            <a:off x="1447382" y="5469856"/>
+            <a:ext cx="5527351" cy="320123"/>
+          </a:xfrm>
+        </p:spPr>
+        <p:txBody>
+          <a:bodyPr/>
+          <a:lstStyle>
+            <a:lvl1pPr algn="l">
+              <a:defRPr/>
+            </a:lvl1pPr>
+          </a:lstStyle>
+          <a:p>
+            <a:endParaRPr lang="zh-CN" altLang="en-US"/>
+          </a:p>
+        </p:txBody>
+      </p:sp>
+      <p:sp>
+        <p:nvSpPr>
+          <p:cNvPr id="6" name="Footer Placeholder 5"/>
+          <p:cNvSpPr>
+            <a:spLocks noGrp="1"/>
+          </p:cNvSpPr>
+          <p:nvPr>
+            <p:ph type="ftr" sz="quarter" idx="11"/>
+          </p:nvPr>
+        </p:nvSpPr>
+        <p:spPr>
+          <a:xfrm>
+            <a:off x="1447382" y="318640"/>
+            <a:ext cx="5541004" cy="320931"/>
+          </a:xfrm>
+        </p:spPr>
+        <p:txBody>
+          <a:bodyPr/>
+          <a:lstStyle/>
+          <a:p>
+            <a:endParaRPr lang="zh-CN" altLang="en-US"/>
+          </a:p>
+        </p:txBody>
+      </p:sp>
+      <p:sp>
+        <p:nvSpPr>
+          <p:cNvPr id="7" name="Slide Number Placeholder 6"/>
+          <p:cNvSpPr>
+            <a:spLocks noGrp="1"/>
+          </p:cNvSpPr>
+          <p:nvPr>
+            <p:ph type="sldNum" sz="quarter" idx="12"/>
+          </p:nvPr>
+        </p:nvSpPr>
+        <p:spPr/>
+        <p:txBody>
+          <a:bodyPr/>
+          <a:lstStyle/>
+          <a:p>
+            <a:fld id="{76A5C077-CD5E-4BED-A3AA-82686853085F}" type="slidenum">
+              <a:rPr lang="en-US" altLang="zh-CN" smtClean="0"/>
+              <a:t>‹#›</a:t>
+            </a:fld>
+            <a:endParaRPr lang="en-US" dirty="0"/>
+          </a:p>
+        </p:txBody>
+      </p:sp>
+      <p:cxnSp>
+        <p:nvCxnSpPr>
+          <p:cNvPr id="31" name="Straight Connector 30"/>
+          <p:cNvCxnSpPr/>
+          <p:nvPr/>
+        </p:nvCxnSpPr>
+        <p:spPr>
+          <a:xfrm>
+            <a:off x="1447382" y="3143605"/>
+            <a:ext cx="5527351" cy="0"/>
+          </a:xfrm>
+          <a:prstGeom prst="line">
+            <a:avLst/>
+          </a:prstGeom>
+          <a:ln w="31750"/>
+        </p:spPr>
+        <p:style>
+          <a:lnRef idx="3">
+            <a:schemeClr val="accent1"/>
+          </a:lnRef>
+          <a:fillRef idx="0">
+            <a:schemeClr val="accent1"/>
+          </a:fillRef>
+          <a:effectRef idx="2">
+            <a:schemeClr val="accent1"/>
+          </a:effectRef>
+          <a:fontRef idx="minor">
+            <a:schemeClr val="tx1"/>
+          </a:fontRef>
+        </p:style>
+      </p:cxnSp>
+    </p:spTree>
+    <p:extLst>
+      <p:ext uri="{BB962C8B-B14F-4D97-AF65-F5344CB8AC3E}">
+        <p14:creationId xmlns:p14="http://schemas.microsoft.com/office/powerpoint/2010/main" val="1473419235"/>
+      </p:ext>
+    </p:extLst>
+  </p:cSld>
+  <p:clrMapOvr>
+    <a:masterClrMapping/>
+  </p:clrMapOvr>
+  <p:hf hdr="0" ftr="0" dt="0"/>
+</p:sldLayout>
+</file>
+
 <file path=ppt/slideMasters/slideMaster1.xml><?xml version="1.0" encoding="utf-8"?>
 <p:sldMaster xmlns:a="http://schemas.openxmlformats.org/drawingml/2006/main" xmlns:r="http://schemas.openxmlformats.org/officeDocument/2006/relationships" xmlns:p="http://schemas.openxmlformats.org/presentationml/2006/main">
   <p:cSld>
     <p:bg>
-      <p:bgRef idx="1001">
-        <a:schemeClr val="bg1"/>
+      <p:bgRef idx="1003">
+        <a:schemeClr val="bg2"/>
       </p:bgRef>
     </p:bg>
     <p:spTree>
@@ -2091,6 +4150,84 @@
       </p:grpSpPr>
       <p:sp>
         <p:nvSpPr>
+          <p:cNvPr id="8" name="Rectangle 7"/>
+          <p:cNvSpPr/>
+          <p:nvPr/>
+        </p:nvSpPr>
+        <p:spPr>
+          <a:xfrm>
+            <a:off x="0" y="2019476"/>
+            <a:ext cx="12192000" cy="4105941"/>
+          </a:xfrm>
+          <a:prstGeom prst="rect">
+            <a:avLst/>
+          </a:prstGeom>
+          <a:gradFill flip="none" rotWithShape="1">
+            <a:gsLst>
+              <a:gs pos="0">
+                <a:schemeClr val="bg2">
+                  <a:alpha val="0"/>
+                </a:schemeClr>
+              </a:gs>
+              <a:gs pos="100000">
+                <a:schemeClr val="bg2"/>
+              </a:gs>
+            </a:gsLst>
+            <a:lin ang="5400000" scaled="0"/>
+            <a:tileRect/>
+          </a:gradFill>
+          <a:ln>
+            <a:noFill/>
+          </a:ln>
+        </p:spPr>
+        <p:style>
+          <a:lnRef idx="2">
+            <a:schemeClr val="accent1">
+              <a:shade val="50000"/>
+            </a:schemeClr>
+          </a:lnRef>
+          <a:fillRef idx="1">
+            <a:schemeClr val="accent1"/>
+          </a:fillRef>
+          <a:effectRef idx="0">
+            <a:schemeClr val="accent1"/>
+          </a:effectRef>
+          <a:fontRef idx="minor">
+            <a:schemeClr val="lt1"/>
+          </a:fontRef>
+        </p:style>
+      </p:sp>
+      <p:pic>
+        <p:nvPicPr>
+          <p:cNvPr id="7" name="Picture 6"/>
+          <p:cNvPicPr>
+            <a:picLocks noChangeAspect="1"/>
+          </p:cNvPicPr>
+          <p:nvPr/>
+        </p:nvPicPr>
+        <p:blipFill rotWithShape="1">
+          <a:blip r:embed="rId14">
+            <a:extLst>
+              <a:ext uri="{28A0092B-C50C-407E-A947-70E740481C1C}">
+                <a14:useLocalDpi xmlns:a14="http://schemas.microsoft.com/office/drawing/2010/main" val="0"/>
+              </a:ext>
+            </a:extLst>
+          </a:blip>
+          <a:srcRect t="1538" b="-1538"/>
+          <a:stretch/>
+        </p:blipFill>
+        <p:spPr bwMode="black">
+          <a:xfrm>
+            <a:off x="0" y="6126480"/>
+            <a:ext cx="12192000" cy="742950"/>
+          </a:xfrm>
+          <a:prstGeom prst="rect">
+            <a:avLst/>
+          </a:prstGeom>
+        </p:spPr>
+      </p:pic>
+      <p:sp>
+        <p:nvSpPr>
           <p:cNvPr id="2" name="Title Placeholder 1"/>
           <p:cNvSpPr>
             <a:spLocks noGrp="1"/>
@@ -2101,15 +4238,15 @@
         </p:nvSpPr>
         <p:spPr>
           <a:xfrm>
-            <a:off x="838200" y="365125"/>
-            <a:ext cx="10515600" cy="1325563"/>
+            <a:off x="1451579" y="804519"/>
+            <a:ext cx="9603275" cy="1049235"/>
           </a:xfrm>
           <a:prstGeom prst="rect">
             <a:avLst/>
           </a:prstGeom>
         </p:spPr>
         <p:txBody>
-          <a:bodyPr vert="horz" lIns="91440" tIns="45720" rIns="91440" bIns="45720" rtlCol="0" anchor="ctr">
+          <a:bodyPr vert="horz" lIns="91440" tIns="45720" rIns="91440" bIns="45720" rtlCol="0" anchor="t">
             <a:normAutofit/>
           </a:bodyPr>
           <a:lstStyle/>
@@ -2134,8 +4271,8 @@
         </p:nvSpPr>
         <p:spPr>
           <a:xfrm>
-            <a:off x="838200" y="1825625"/>
-            <a:ext cx="10515600" cy="4351338"/>
+            <a:off x="1451579" y="2015732"/>
+            <a:ext cx="9603275" cy="3450613"/>
           </a:xfrm>
           <a:prstGeom prst="rect">
             <a:avLst/>
@@ -2196,8 +4333,8 @@
         </p:nvSpPr>
         <p:spPr>
           <a:xfrm>
-            <a:off x="838200" y="6356350"/>
-            <a:ext cx="2743200" cy="365125"/>
+            <a:off x="7554138" y="330370"/>
+            <a:ext cx="3500715" cy="309201"/>
           </a:xfrm>
           <a:prstGeom prst="rect">
             <a:avLst/>
@@ -2206,8 +4343,8 @@
         <p:txBody>
           <a:bodyPr vert="horz" lIns="91440" tIns="45720" rIns="91440" bIns="45720" rtlCol="0" anchor="ctr"/>
           <a:lstStyle>
-            <a:lvl1pPr algn="l">
-              <a:defRPr sz="1200">
+            <a:lvl1pPr algn="r">
+              <a:defRPr sz="1000">
                 <a:solidFill>
                   <a:schemeClr val="tx1">
                     <a:tint val="75000"/>
@@ -2233,8 +4370,8 @@
         </p:nvSpPr>
         <p:spPr>
           <a:xfrm>
-            <a:off x="4038600" y="6356350"/>
-            <a:ext cx="4114800" cy="365125"/>
+            <a:off x="1451579" y="329307"/>
+            <a:ext cx="5938836" cy="309201"/>
           </a:xfrm>
           <a:prstGeom prst="rect">
             <a:avLst/>
@@ -2243,8 +4380,8 @@
         <p:txBody>
           <a:bodyPr vert="horz" lIns="91440" tIns="45720" rIns="91440" bIns="45720" rtlCol="0" anchor="ctr"/>
           <a:lstStyle>
-            <a:lvl1pPr algn="ctr">
-              <a:defRPr sz="1200">
+            <a:lvl1pPr algn="l">
+              <a:defRPr sz="1000">
                 <a:solidFill>
                   <a:schemeClr val="tx1">
                     <a:tint val="75000"/>
@@ -2270,20 +4407,20 @@
         </p:nvSpPr>
         <p:spPr>
           <a:xfrm>
-            <a:off x="4511824" y="6658027"/>
-            <a:ext cx="2743200" cy="227357"/>
+            <a:off x="480060" y="798973"/>
+            <a:ext cx="811019" cy="503578"/>
           </a:xfrm>
           <a:prstGeom prst="rect">
             <a:avLst/>
           </a:prstGeom>
         </p:spPr>
         <p:txBody>
-          <a:bodyPr vert="horz" lIns="91440" tIns="45720" rIns="91440" bIns="45720" rtlCol="0" anchor="ctr"/>
+          <a:bodyPr vert="horz" lIns="91440" tIns="45720" rIns="91440" bIns="45720" rtlCol="0" anchor="t"/>
           <a:lstStyle>
-            <a:lvl1pPr algn="ctr">
-              <a:defRPr sz="1200">
+            <a:lvl1pPr algn="r">
+              <a:defRPr sz="2800">
                 <a:solidFill>
-                  <a:schemeClr val="bg1"/>
+                  <a:schemeClr val="accent1"/>
                 </a:solidFill>
               </a:defRPr>
             </a:lvl1pPr>
@@ -2297,13 +4434,64 @@
           </a:p>
         </p:txBody>
       </p:sp>
+      <p:cxnSp>
+        <p:nvCxnSpPr>
+          <p:cNvPr id="10" name="Straight Connector 9"/>
+          <p:cNvCxnSpPr/>
+          <p:nvPr/>
+        </p:nvCxnSpPr>
+        <p:spPr>
+          <a:xfrm>
+            <a:off x="0" y="6128413"/>
+            <a:ext cx="12192000" cy="0"/>
+          </a:xfrm>
+          <a:prstGeom prst="line">
+            <a:avLst/>
+          </a:prstGeom>
+          <a:ln w="12700">
+            <a:solidFill>
+              <a:srgbClr val="000001">
+                <a:alpha val="20000"/>
+              </a:srgbClr>
+            </a:solidFill>
+          </a:ln>
+        </p:spPr>
+        <p:style>
+          <a:lnRef idx="1">
+            <a:schemeClr val="accent1"/>
+          </a:lnRef>
+          <a:fillRef idx="0">
+            <a:schemeClr val="accent1"/>
+          </a:fillRef>
+          <a:effectRef idx="0">
+            <a:schemeClr val="accent1"/>
+          </a:effectRef>
+          <a:fontRef idx="minor">
+            <a:schemeClr val="tx1"/>
+          </a:fontRef>
+        </p:style>
+      </p:cxnSp>
     </p:spTree>
+    <p:extLst>
+      <p:ext uri="{BB962C8B-B14F-4D97-AF65-F5344CB8AC3E}">
+        <p14:creationId xmlns:p14="http://schemas.microsoft.com/office/powerpoint/2010/main" val="3424336725"/>
+      </p:ext>
+    </p:extLst>
   </p:cSld>
   <p:clrMap bg1="lt1" tx1="dk1" bg2="lt2" tx2="dk2" accent1="accent1" accent2="accent2" accent3="accent3" accent4="accent4" accent5="accent5" accent6="accent6" hlink="hlink" folHlink="folHlink"/>
   <p:sldLayoutIdLst>
-    <p:sldLayoutId id="2147483649" r:id="rId1"/>
-    <p:sldLayoutId id="2147483650" r:id="rId2"/>
-    <p:sldLayoutId id="2147483651" r:id="rId3"/>
+    <p:sldLayoutId id="2147483679" r:id="rId1"/>
+    <p:sldLayoutId id="2147483680" r:id="rId2"/>
+    <p:sldLayoutId id="2147483681" r:id="rId3"/>
+    <p:sldLayoutId id="2147483682" r:id="rId4"/>
+    <p:sldLayoutId id="2147483683" r:id="rId5"/>
+    <p:sldLayoutId id="2147483684" r:id="rId6"/>
+    <p:sldLayoutId id="2147483685" r:id="rId7"/>
+    <p:sldLayoutId id="2147483686" r:id="rId8"/>
+    <p:sldLayoutId id="2147483687" r:id="rId9"/>
+    <p:sldLayoutId id="2147483688" r:id="rId10"/>
+    <p:sldLayoutId id="2147483689" r:id="rId11"/>
+    <p:sldLayoutId id="2147483690" r:id="rId12"/>
   </p:sldLayoutIdLst>
   <p:hf hdr="0" ftr="0" dt="0"/>
   <p:txStyles>
@@ -2316,10 +4504,11 @@
           <a:spcPct val="0"/>
         </a:spcBef>
         <a:buNone/>
-        <a:defRPr sz="4400" kern="1200">
+        <a:defRPr sz="3200" b="0" i="0" kern="1200" cap="all">
           <a:solidFill>
             <a:schemeClr val="tx1"/>
           </a:solidFill>
+          <a:effectLst/>
           <a:latin typeface="+mj-lt"/>
           <a:ea typeface="+mj-ea"/>
           <a:cs typeface="+mj-cs"/>
@@ -2329,17 +4518,22 @@
     <p:bodyStyle>
       <a:lvl1pPr marL="228600" indent="-228600" algn="l" defTabSz="914400" rtl="0" eaLnBrk="1" latinLnBrk="0" hangingPunct="1">
         <a:lnSpc>
-          <a:spcPct val="90000"/>
+          <a:spcPct val="120000"/>
         </a:lnSpc>
         <a:spcBef>
           <a:spcPts val="1000"/>
         </a:spcBef>
-        <a:buFont typeface="Arial" panose="020B0604020202090204" pitchFamily="34" charset="0"/>
+        <a:buClr>
+          <a:schemeClr val="accent1"/>
+        </a:buClr>
+        <a:buSzPct val="100000"/>
+        <a:buFont typeface="Arial" panose="020B0604020202020204" pitchFamily="34" charset="0"/>
         <a:buChar char="•"/>
-        <a:defRPr sz="2800" kern="1200">
+        <a:defRPr sz="2000" kern="1200">
           <a:solidFill>
             <a:schemeClr val="tx1"/>
           </a:solidFill>
+          <a:effectLst/>
           <a:latin typeface="+mn-lt"/>
           <a:ea typeface="+mn-ea"/>
           <a:cs typeface="+mn-cs"/>
@@ -2347,17 +4541,22 @@
       </a:lvl1pPr>
       <a:lvl2pPr marL="685800" indent="-228600" algn="l" defTabSz="914400" rtl="0" eaLnBrk="1" latinLnBrk="0" hangingPunct="1">
         <a:lnSpc>
-          <a:spcPct val="90000"/>
+          <a:spcPct val="120000"/>
         </a:lnSpc>
         <a:spcBef>
           <a:spcPts val="500"/>
         </a:spcBef>
-        <a:buFont typeface="Arial" panose="020B0604020202090204" pitchFamily="34" charset="0"/>
+        <a:buClr>
+          <a:schemeClr val="accent1"/>
+        </a:buClr>
+        <a:buSzPct val="100000"/>
+        <a:buFont typeface="Arial" panose="020B0604020202020204" pitchFamily="34" charset="0"/>
         <a:buChar char="•"/>
-        <a:defRPr sz="2400" kern="1200">
+        <a:defRPr sz="1800" kern="1200" cap="none" baseline="0">
           <a:solidFill>
             <a:schemeClr val="tx1"/>
           </a:solidFill>
+          <a:effectLst/>
           <a:latin typeface="+mn-lt"/>
           <a:ea typeface="+mn-ea"/>
           <a:cs typeface="+mn-cs"/>
@@ -2365,17 +4564,22 @@
       </a:lvl2pPr>
       <a:lvl3pPr marL="1143000" indent="-228600" algn="l" defTabSz="914400" rtl="0" eaLnBrk="1" latinLnBrk="0" hangingPunct="1">
         <a:lnSpc>
-          <a:spcPct val="90000"/>
+          <a:spcPct val="120000"/>
         </a:lnSpc>
         <a:spcBef>
           <a:spcPts val="500"/>
         </a:spcBef>
-        <a:buFont typeface="Arial" panose="020B0604020202090204" pitchFamily="34" charset="0"/>
+        <a:buClr>
+          <a:schemeClr val="accent1"/>
+        </a:buClr>
+        <a:buSzPct val="100000"/>
+        <a:buFont typeface="Arial" panose="020B0604020202020204" pitchFamily="34" charset="0"/>
         <a:buChar char="•"/>
-        <a:defRPr sz="2000" kern="1200">
+        <a:defRPr sz="1600" kern="1200">
           <a:solidFill>
             <a:schemeClr val="tx1"/>
           </a:solidFill>
+          <a:effectLst/>
           <a:latin typeface="+mn-lt"/>
           <a:ea typeface="+mn-ea"/>
           <a:cs typeface="+mn-cs"/>
@@ -2383,17 +4587,22 @@
       </a:lvl3pPr>
       <a:lvl4pPr marL="1600200" indent="-228600" algn="l" defTabSz="914400" rtl="0" eaLnBrk="1" latinLnBrk="0" hangingPunct="1">
         <a:lnSpc>
-          <a:spcPct val="90000"/>
+          <a:spcPct val="120000"/>
         </a:lnSpc>
         <a:spcBef>
           <a:spcPts val="500"/>
         </a:spcBef>
-        <a:buFont typeface="Arial" panose="020B0604020202090204" pitchFamily="34" charset="0"/>
+        <a:buClr>
+          <a:schemeClr val="accent1"/>
+        </a:buClr>
+        <a:buSzPct val="100000"/>
+        <a:buFont typeface="Arial" panose="020B0604020202020204" pitchFamily="34" charset="0"/>
         <a:buChar char="•"/>
-        <a:defRPr sz="1800" kern="1200">
+        <a:defRPr sz="1400" kern="1200" cap="none" baseline="0">
           <a:solidFill>
             <a:schemeClr val="tx1"/>
           </a:solidFill>
+          <a:effectLst/>
           <a:latin typeface="+mn-lt"/>
           <a:ea typeface="+mn-ea"/>
           <a:cs typeface="+mn-cs"/>
@@ -2401,17 +4610,22 @@
       </a:lvl4pPr>
       <a:lvl5pPr marL="2057400" indent="-228600" algn="l" defTabSz="914400" rtl="0" eaLnBrk="1" latinLnBrk="0" hangingPunct="1">
         <a:lnSpc>
-          <a:spcPct val="90000"/>
+          <a:spcPct val="120000"/>
         </a:lnSpc>
         <a:spcBef>
           <a:spcPts val="500"/>
         </a:spcBef>
-        <a:buFont typeface="Arial" panose="020B0604020202090204" pitchFamily="34" charset="0"/>
+        <a:buClr>
+          <a:schemeClr val="accent1"/>
+        </a:buClr>
+        <a:buSzPct val="100000"/>
+        <a:buFont typeface="Arial" panose="020B0604020202020204" pitchFamily="34" charset="0"/>
         <a:buChar char="•"/>
-        <a:defRPr sz="1800" kern="1200">
+        <a:defRPr sz="1200" kern="1200">
           <a:solidFill>
             <a:schemeClr val="tx1"/>
           </a:solidFill>
+          <a:effectLst/>
           <a:latin typeface="+mn-lt"/>
           <a:ea typeface="+mn-ea"/>
           <a:cs typeface="+mn-cs"/>
@@ -2419,17 +4633,22 @@
       </a:lvl5pPr>
       <a:lvl6pPr marL="2514600" indent="-228600" algn="l" defTabSz="914400" rtl="0" eaLnBrk="1" latinLnBrk="0" hangingPunct="1">
         <a:lnSpc>
-          <a:spcPct val="90000"/>
+          <a:spcPct val="120000"/>
         </a:lnSpc>
         <a:spcBef>
           <a:spcPts val="500"/>
         </a:spcBef>
-        <a:buFont typeface="Arial" panose="020B0604020202090204" pitchFamily="34" charset="0"/>
+        <a:buClr>
+          <a:schemeClr val="accent1"/>
+        </a:buClr>
+        <a:buSzPct val="100000"/>
+        <a:buFont typeface="Arial" panose="020B0604020202020204" pitchFamily="34" charset="0"/>
         <a:buChar char="•"/>
-        <a:defRPr sz="1800" kern="1200">
+        <a:defRPr sz="1200" kern="1200">
           <a:solidFill>
             <a:schemeClr val="tx1"/>
           </a:solidFill>
+          <a:effectLst/>
           <a:latin typeface="+mn-lt"/>
           <a:ea typeface="+mn-ea"/>
           <a:cs typeface="+mn-cs"/>
@@ -2437,17 +4656,22 @@
       </a:lvl6pPr>
       <a:lvl7pPr marL="2971800" indent="-228600" algn="l" defTabSz="914400" rtl="0" eaLnBrk="1" latinLnBrk="0" hangingPunct="1">
         <a:lnSpc>
-          <a:spcPct val="90000"/>
+          <a:spcPct val="120000"/>
         </a:lnSpc>
         <a:spcBef>
           <a:spcPts val="500"/>
         </a:spcBef>
-        <a:buFont typeface="Arial" panose="020B0604020202090204" pitchFamily="34" charset="0"/>
+        <a:buClr>
+          <a:schemeClr val="accent1"/>
+        </a:buClr>
+        <a:buSzPct val="100000"/>
+        <a:buFont typeface="Arial" panose="020B0604020202020204" pitchFamily="34" charset="0"/>
         <a:buChar char="•"/>
-        <a:defRPr sz="1800" kern="1200">
+        <a:defRPr sz="1200" kern="1200">
           <a:solidFill>
             <a:schemeClr val="tx1"/>
           </a:solidFill>
+          <a:effectLst/>
           <a:latin typeface="+mn-lt"/>
           <a:ea typeface="+mn-ea"/>
           <a:cs typeface="+mn-cs"/>
@@ -2455,17 +4679,22 @@
       </a:lvl7pPr>
       <a:lvl8pPr marL="3429000" indent="-228600" algn="l" defTabSz="914400" rtl="0" eaLnBrk="1" latinLnBrk="0" hangingPunct="1">
         <a:lnSpc>
-          <a:spcPct val="90000"/>
+          <a:spcPct val="120000"/>
         </a:lnSpc>
         <a:spcBef>
           <a:spcPts val="500"/>
         </a:spcBef>
-        <a:buFont typeface="Arial" panose="020B0604020202090204" pitchFamily="34" charset="0"/>
+        <a:buClr>
+          <a:schemeClr val="accent1"/>
+        </a:buClr>
+        <a:buSzPct val="100000"/>
+        <a:buFont typeface="Arial" panose="020B0604020202020204" pitchFamily="34" charset="0"/>
         <a:buChar char="•"/>
-        <a:defRPr sz="1800" kern="1200">
+        <a:defRPr sz="1200" kern="1200" baseline="0">
           <a:solidFill>
             <a:schemeClr val="tx1"/>
           </a:solidFill>
+          <a:effectLst/>
           <a:latin typeface="+mn-lt"/>
           <a:ea typeface="+mn-ea"/>
           <a:cs typeface="+mn-cs"/>
@@ -2473,17 +4702,22 @@
       </a:lvl8pPr>
       <a:lvl9pPr marL="3886200" indent="-228600" algn="l" defTabSz="914400" rtl="0" eaLnBrk="1" latinLnBrk="0" hangingPunct="1">
         <a:lnSpc>
-          <a:spcPct val="90000"/>
+          <a:spcPct val="120000"/>
         </a:lnSpc>
         <a:spcBef>
           <a:spcPts val="500"/>
         </a:spcBef>
-        <a:buFont typeface="Arial" panose="020B0604020202090204" pitchFamily="34" charset="0"/>
+        <a:buClr>
+          <a:schemeClr val="accent1"/>
+        </a:buClr>
+        <a:buSzPct val="100000"/>
+        <a:buFont typeface="Arial" panose="020B0604020202020204" pitchFamily="34" charset="0"/>
         <a:buChar char="•"/>
-        <a:defRPr sz="1800" kern="1200">
+        <a:defRPr sz="1200" kern="1200" baseline="0">
           <a:solidFill>
             <a:schemeClr val="tx1"/>
           </a:solidFill>
+          <a:effectLst/>
           <a:latin typeface="+mn-lt"/>
           <a:ea typeface="+mn-ea"/>
           <a:cs typeface="+mn-cs"/>
@@ -3073,30 +5307,6 @@
           </a:extLst>
         </p:spPr>
       </p:cxnSp>
-      <p:pic>
-        <p:nvPicPr>
-          <p:cNvPr id="2" name="图片 1"/>
-          <p:cNvPicPr>
-            <a:picLocks noChangeAspect="1"/>
-          </p:cNvPicPr>
-          <p:nvPr/>
-        </p:nvPicPr>
-        <p:blipFill>
-          <a:blip r:embed="rId3"/>
-          <a:stretch>
-            <a:fillRect/>
-          </a:stretch>
-        </p:blipFill>
-        <p:spPr>
-          <a:xfrm>
-            <a:off x="8904312" y="95248"/>
-            <a:ext cx="2486025" cy="590550"/>
-          </a:xfrm>
-          <a:prstGeom prst="rect">
-            <a:avLst/>
-          </a:prstGeom>
-        </p:spPr>
-      </p:pic>
     </p:spTree>
   </p:cSld>
   <p:clrMapOvr>
@@ -3599,620 +5809,6 @@
           <a:chExt cx="0" cy="0"/>
         </a:xfrm>
       </p:grpSpPr>
-      <p:pic>
-        <p:nvPicPr>
-          <p:cNvPr id="10" name="Picture 6"/>
-          <p:cNvPicPr>
-            <a:picLocks noChangeAspect="1" noChangeArrowheads="1"/>
-          </p:cNvPicPr>
-          <p:nvPr/>
-        </p:nvPicPr>
-        <p:blipFill>
-          <a:blip r:embed="rId3" cstate="print">
-            <a:extLst>
-              <a:ext uri="{28A0092B-C50C-407E-A947-70E740481C1C}">
-                <a14:useLocalDpi xmlns:a14="http://schemas.microsoft.com/office/drawing/2010/main" val="0"/>
-              </a:ext>
-            </a:extLst>
-          </a:blip>
-          <a:srcRect/>
-          <a:stretch>
-            <a:fillRect/>
-          </a:stretch>
-        </p:blipFill>
-        <p:spPr bwMode="auto">
-          <a:xfrm>
-            <a:off x="7896201" y="6237313"/>
-            <a:ext cx="2618411" cy="467765"/>
-          </a:xfrm>
-          <a:prstGeom prst="rect">
-            <a:avLst/>
-          </a:prstGeom>
-          <a:noFill/>
-          <a:ln>
-            <a:noFill/>
-          </a:ln>
-          <a:effectLst/>
-          <a:extLst>
-            <a:ext uri="{909E8E84-426E-40DD-AFC4-6F175D3DCCD1}">
-              <a14:hiddenFill xmlns:a14="http://schemas.microsoft.com/office/drawing/2010/main">
-                <a:solidFill>
-                  <a:schemeClr val="accent1"/>
-                </a:solidFill>
-              </a14:hiddenFill>
-            </a:ext>
-            <a:ext uri="{91240B29-F687-4F45-9708-019B960494DF}">
-              <a14:hiddenLine xmlns:a14="http://schemas.microsoft.com/office/drawing/2010/main" w="9525">
-                <a:solidFill>
-                  <a:schemeClr val="tx1"/>
-                </a:solidFill>
-                <a:miter lim="800000"/>
-                <a:headEnd/>
-                <a:tailEnd/>
-              </a14:hiddenLine>
-            </a:ext>
-            <a:ext uri="{AF507438-7753-43E0-B8FC-AC1667EBCBE1}">
-              <a14:hiddenEffects xmlns:a14="http://schemas.microsoft.com/office/drawing/2010/main">
-                <a:effectLst>
-                  <a:outerShdw dist="35921" dir="2700000" algn="ctr" rotWithShape="0">
-                    <a:schemeClr val="bg2"/>
-                  </a:outerShdw>
-                </a:effectLst>
-              </a14:hiddenEffects>
-            </a:ext>
-          </a:extLst>
-        </p:spPr>
-      </p:pic>
-      <p:sp>
-        <p:nvSpPr>
-          <p:cNvPr id="12" name="副标题 2"/>
-          <p:cNvSpPr txBox="1"/>
-          <p:nvPr/>
-        </p:nvSpPr>
-        <p:spPr>
-          <a:xfrm>
-            <a:off x="8079808" y="5013176"/>
-            <a:ext cx="555244" cy="230400"/>
-          </a:xfrm>
-          <a:prstGeom prst="rect">
-            <a:avLst/>
-          </a:prstGeom>
-        </p:spPr>
-        <p:txBody>
-          <a:bodyPr vert="horz" lIns="91440" tIns="45720" rIns="91440" bIns="45720" rtlCol="0" anchor="b">
-            <a:noAutofit/>
-          </a:bodyPr>
-          <a:lstStyle>
-            <a:lvl1pPr marL="342900" indent="-342900" algn="l" defTabSz="914400" rtl="0" eaLnBrk="1" latinLnBrk="0" hangingPunct="1">
-              <a:spcBef>
-                <a:spcPct val="20000"/>
-              </a:spcBef>
-              <a:buFont typeface="Arial" panose="020B0604020202090204" pitchFamily="34" charset="0"/>
-              <a:buChar char="•"/>
-              <a:defRPr lang="zh-CN" altLang="en-US" sz="2800" b="1" kern="1200" dirty="0">
-                <a:solidFill>
-                  <a:schemeClr val="tx1"/>
-                </a:solidFill>
-                <a:latin typeface="华文细黑" panose="02010600040101010101" pitchFamily="2" charset="-122"/>
-                <a:ea typeface="华文细黑" panose="02010600040101010101" pitchFamily="2" charset="-122"/>
-                <a:cs typeface="+mj-cs"/>
-              </a:defRPr>
-            </a:lvl1pPr>
-            <a:lvl2pPr marL="742950" indent="-285750" algn="l" defTabSz="914400" rtl="0" eaLnBrk="1" latinLnBrk="0" hangingPunct="1">
-              <a:spcBef>
-                <a:spcPct val="20000"/>
-              </a:spcBef>
-              <a:buFont typeface="Arial" panose="020B0604020202090204" pitchFamily="34" charset="0"/>
-              <a:buChar char="–"/>
-              <a:defRPr sz="2800" kern="1200">
-                <a:solidFill>
-                  <a:schemeClr val="tx1"/>
-                </a:solidFill>
-                <a:latin typeface="+mn-lt"/>
-                <a:ea typeface="+mn-ea"/>
-                <a:cs typeface="+mn-cs"/>
-              </a:defRPr>
-            </a:lvl2pPr>
-            <a:lvl3pPr marL="1143000" indent="-228600" algn="l" defTabSz="914400" rtl="0" eaLnBrk="1" latinLnBrk="0" hangingPunct="1">
-              <a:spcBef>
-                <a:spcPct val="20000"/>
-              </a:spcBef>
-              <a:buFont typeface="Arial" panose="020B0604020202090204" pitchFamily="34" charset="0"/>
-              <a:buChar char="•"/>
-              <a:defRPr sz="2400" kern="1200">
-                <a:solidFill>
-                  <a:schemeClr val="tx1"/>
-                </a:solidFill>
-                <a:latin typeface="+mn-lt"/>
-                <a:ea typeface="+mn-ea"/>
-                <a:cs typeface="+mn-cs"/>
-              </a:defRPr>
-            </a:lvl3pPr>
-            <a:lvl4pPr marL="1600200" indent="-228600" algn="l" defTabSz="914400" rtl="0" eaLnBrk="1" latinLnBrk="0" hangingPunct="1">
-              <a:spcBef>
-                <a:spcPct val="20000"/>
-              </a:spcBef>
-              <a:buFont typeface="Arial" panose="020B0604020202090204" pitchFamily="34" charset="0"/>
-              <a:buChar char="–"/>
-              <a:defRPr sz="2000" kern="1200">
-                <a:solidFill>
-                  <a:schemeClr val="tx1"/>
-                </a:solidFill>
-                <a:latin typeface="+mn-lt"/>
-                <a:ea typeface="+mn-ea"/>
-                <a:cs typeface="+mn-cs"/>
-              </a:defRPr>
-            </a:lvl4pPr>
-            <a:lvl5pPr marL="2057400" indent="-228600" algn="l" defTabSz="914400" rtl="0" eaLnBrk="1" latinLnBrk="0" hangingPunct="1">
-              <a:spcBef>
-                <a:spcPct val="20000"/>
-              </a:spcBef>
-              <a:buFont typeface="Arial" panose="020B0604020202090204" pitchFamily="34" charset="0"/>
-              <a:buChar char="»"/>
-              <a:defRPr sz="2000" kern="1200">
-                <a:solidFill>
-                  <a:schemeClr val="tx1"/>
-                </a:solidFill>
-                <a:latin typeface="+mn-lt"/>
-                <a:ea typeface="+mn-ea"/>
-                <a:cs typeface="+mn-cs"/>
-              </a:defRPr>
-            </a:lvl5pPr>
-            <a:lvl6pPr marL="2514600" indent="-228600" algn="l" defTabSz="914400" rtl="0" eaLnBrk="1" latinLnBrk="0" hangingPunct="1">
-              <a:spcBef>
-                <a:spcPct val="20000"/>
-              </a:spcBef>
-              <a:buFont typeface="Arial" panose="020B0604020202090204" pitchFamily="34" charset="0"/>
-              <a:buChar char="•"/>
-              <a:defRPr sz="2000" kern="1200">
-                <a:solidFill>
-                  <a:schemeClr val="tx1"/>
-                </a:solidFill>
-                <a:latin typeface="+mn-lt"/>
-                <a:ea typeface="+mn-ea"/>
-                <a:cs typeface="+mn-cs"/>
-              </a:defRPr>
-            </a:lvl6pPr>
-            <a:lvl7pPr marL="2971800" indent="-228600" algn="l" defTabSz="914400" rtl="0" eaLnBrk="1" latinLnBrk="0" hangingPunct="1">
-              <a:spcBef>
-                <a:spcPct val="20000"/>
-              </a:spcBef>
-              <a:buFont typeface="Arial" panose="020B0604020202090204" pitchFamily="34" charset="0"/>
-              <a:buChar char="•"/>
-              <a:defRPr sz="2000" kern="1200">
-                <a:solidFill>
-                  <a:schemeClr val="tx1"/>
-                </a:solidFill>
-                <a:latin typeface="+mn-lt"/>
-                <a:ea typeface="+mn-ea"/>
-                <a:cs typeface="+mn-cs"/>
-              </a:defRPr>
-            </a:lvl7pPr>
-            <a:lvl8pPr marL="3429000" indent="-228600" algn="l" defTabSz="914400" rtl="0" eaLnBrk="1" latinLnBrk="0" hangingPunct="1">
-              <a:spcBef>
-                <a:spcPct val="20000"/>
-              </a:spcBef>
-              <a:buFont typeface="Arial" panose="020B0604020202090204" pitchFamily="34" charset="0"/>
-              <a:buChar char="•"/>
-              <a:defRPr sz="2000" kern="1200">
-                <a:solidFill>
-                  <a:schemeClr val="tx1"/>
-                </a:solidFill>
-                <a:latin typeface="+mn-lt"/>
-                <a:ea typeface="+mn-ea"/>
-                <a:cs typeface="+mn-cs"/>
-              </a:defRPr>
-            </a:lvl8pPr>
-            <a:lvl9pPr marL="3886200" indent="-228600" algn="l" defTabSz="914400" rtl="0" eaLnBrk="1" latinLnBrk="0" hangingPunct="1">
-              <a:spcBef>
-                <a:spcPct val="20000"/>
-              </a:spcBef>
-              <a:buFont typeface="Arial" panose="020B0604020202090204" pitchFamily="34" charset="0"/>
-              <a:buChar char="•"/>
-              <a:defRPr sz="2000" kern="1200">
-                <a:solidFill>
-                  <a:schemeClr val="tx1"/>
-                </a:solidFill>
-                <a:latin typeface="+mn-lt"/>
-                <a:ea typeface="+mn-ea"/>
-                <a:cs typeface="+mn-cs"/>
-              </a:defRPr>
-            </a:lvl9pPr>
-          </a:lstStyle>
-          <a:p>
-            <a:pPr>
-              <a:spcBef>
-                <a:spcPct val="0"/>
-              </a:spcBef>
-              <a:buFont typeface="Arial" panose="020B0604020202090204" pitchFamily="34" charset="0"/>
-              <a:buNone/>
-            </a:pPr>
-            <a:r>
-              <a:rPr lang="zh-CN" altLang="en-US" sz="1400" dirty="0">
-                <a:solidFill>
-                  <a:schemeClr val="bg1"/>
-                </a:solidFill>
-                <a:latin typeface="Arial" panose="020B0604020202090204" pitchFamily="34" charset="0"/>
-                <a:ea typeface="SimHei" panose="02010609060101010101" pitchFamily="49" charset="-122"/>
-                <a:cs typeface="Arial" panose="020B0604020202090204" pitchFamily="34" charset="0"/>
-              </a:rPr>
-              <a:t>主动</a:t>
-            </a:r>
-            <a:endParaRPr lang="en-US" altLang="zh-CN" sz="1400" dirty="0">
-              <a:solidFill>
-                <a:schemeClr val="bg1"/>
-              </a:solidFill>
-              <a:latin typeface="Arial" panose="020B0604020202090204" pitchFamily="34" charset="0"/>
-              <a:ea typeface="SimHei" panose="02010609060101010101" pitchFamily="49" charset="-122"/>
-              <a:cs typeface="Arial" panose="020B0604020202090204" pitchFamily="34" charset="0"/>
-            </a:endParaRPr>
-          </a:p>
-        </p:txBody>
-      </p:sp>
-      <p:sp>
-        <p:nvSpPr>
-          <p:cNvPr id="13" name="副标题 2"/>
-          <p:cNvSpPr txBox="1"/>
-          <p:nvPr/>
-        </p:nvSpPr>
-        <p:spPr>
-          <a:xfrm>
-            <a:off x="8551448" y="5013176"/>
-            <a:ext cx="555244" cy="230400"/>
-          </a:xfrm>
-          <a:prstGeom prst="rect">
-            <a:avLst/>
-          </a:prstGeom>
-        </p:spPr>
-        <p:txBody>
-          <a:bodyPr vert="horz" lIns="91440" tIns="45720" rIns="91440" bIns="45720" rtlCol="0" anchor="b">
-            <a:noAutofit/>
-          </a:bodyPr>
-          <a:lstStyle>
-            <a:lvl1pPr marL="342900" indent="-342900" algn="l" defTabSz="914400" rtl="0" eaLnBrk="1" latinLnBrk="0" hangingPunct="1">
-              <a:spcBef>
-                <a:spcPct val="20000"/>
-              </a:spcBef>
-              <a:buFont typeface="Arial" panose="020B0604020202090204" pitchFamily="34" charset="0"/>
-              <a:buChar char="•"/>
-              <a:defRPr lang="zh-CN" altLang="en-US" sz="2800" b="1" kern="1200" dirty="0">
-                <a:solidFill>
-                  <a:schemeClr val="tx1"/>
-                </a:solidFill>
-                <a:latin typeface="华文细黑" panose="02010600040101010101" pitchFamily="2" charset="-122"/>
-                <a:ea typeface="华文细黑" panose="02010600040101010101" pitchFamily="2" charset="-122"/>
-                <a:cs typeface="+mj-cs"/>
-              </a:defRPr>
-            </a:lvl1pPr>
-            <a:lvl2pPr marL="742950" indent="-285750" algn="l" defTabSz="914400" rtl="0" eaLnBrk="1" latinLnBrk="0" hangingPunct="1">
-              <a:spcBef>
-                <a:spcPct val="20000"/>
-              </a:spcBef>
-              <a:buFont typeface="Arial" panose="020B0604020202090204" pitchFamily="34" charset="0"/>
-              <a:buChar char="–"/>
-              <a:defRPr sz="2800" kern="1200">
-                <a:solidFill>
-                  <a:schemeClr val="tx1"/>
-                </a:solidFill>
-                <a:latin typeface="+mn-lt"/>
-                <a:ea typeface="+mn-ea"/>
-                <a:cs typeface="+mn-cs"/>
-              </a:defRPr>
-            </a:lvl2pPr>
-            <a:lvl3pPr marL="1143000" indent="-228600" algn="l" defTabSz="914400" rtl="0" eaLnBrk="1" latinLnBrk="0" hangingPunct="1">
-              <a:spcBef>
-                <a:spcPct val="20000"/>
-              </a:spcBef>
-              <a:buFont typeface="Arial" panose="020B0604020202090204" pitchFamily="34" charset="0"/>
-              <a:buChar char="•"/>
-              <a:defRPr sz="2400" kern="1200">
-                <a:solidFill>
-                  <a:schemeClr val="tx1"/>
-                </a:solidFill>
-                <a:latin typeface="+mn-lt"/>
-                <a:ea typeface="+mn-ea"/>
-                <a:cs typeface="+mn-cs"/>
-              </a:defRPr>
-            </a:lvl3pPr>
-            <a:lvl4pPr marL="1600200" indent="-228600" algn="l" defTabSz="914400" rtl="0" eaLnBrk="1" latinLnBrk="0" hangingPunct="1">
-              <a:spcBef>
-                <a:spcPct val="20000"/>
-              </a:spcBef>
-              <a:buFont typeface="Arial" panose="020B0604020202090204" pitchFamily="34" charset="0"/>
-              <a:buChar char="–"/>
-              <a:defRPr sz="2000" kern="1200">
-                <a:solidFill>
-                  <a:schemeClr val="tx1"/>
-                </a:solidFill>
-                <a:latin typeface="+mn-lt"/>
-                <a:ea typeface="+mn-ea"/>
-                <a:cs typeface="+mn-cs"/>
-              </a:defRPr>
-            </a:lvl4pPr>
-            <a:lvl5pPr marL="2057400" indent="-228600" algn="l" defTabSz="914400" rtl="0" eaLnBrk="1" latinLnBrk="0" hangingPunct="1">
-              <a:spcBef>
-                <a:spcPct val="20000"/>
-              </a:spcBef>
-              <a:buFont typeface="Arial" panose="020B0604020202090204" pitchFamily="34" charset="0"/>
-              <a:buChar char="»"/>
-              <a:defRPr sz="2000" kern="1200">
-                <a:solidFill>
-                  <a:schemeClr val="tx1"/>
-                </a:solidFill>
-                <a:latin typeface="+mn-lt"/>
-                <a:ea typeface="+mn-ea"/>
-                <a:cs typeface="+mn-cs"/>
-              </a:defRPr>
-            </a:lvl5pPr>
-            <a:lvl6pPr marL="2514600" indent="-228600" algn="l" defTabSz="914400" rtl="0" eaLnBrk="1" latinLnBrk="0" hangingPunct="1">
-              <a:spcBef>
-                <a:spcPct val="20000"/>
-              </a:spcBef>
-              <a:buFont typeface="Arial" panose="020B0604020202090204" pitchFamily="34" charset="0"/>
-              <a:buChar char="•"/>
-              <a:defRPr sz="2000" kern="1200">
-                <a:solidFill>
-                  <a:schemeClr val="tx1"/>
-                </a:solidFill>
-                <a:latin typeface="+mn-lt"/>
-                <a:ea typeface="+mn-ea"/>
-                <a:cs typeface="+mn-cs"/>
-              </a:defRPr>
-            </a:lvl6pPr>
-            <a:lvl7pPr marL="2971800" indent="-228600" algn="l" defTabSz="914400" rtl="0" eaLnBrk="1" latinLnBrk="0" hangingPunct="1">
-              <a:spcBef>
-                <a:spcPct val="20000"/>
-              </a:spcBef>
-              <a:buFont typeface="Arial" panose="020B0604020202090204" pitchFamily="34" charset="0"/>
-              <a:buChar char="•"/>
-              <a:defRPr sz="2000" kern="1200">
-                <a:solidFill>
-                  <a:schemeClr val="tx1"/>
-                </a:solidFill>
-                <a:latin typeface="+mn-lt"/>
-                <a:ea typeface="+mn-ea"/>
-                <a:cs typeface="+mn-cs"/>
-              </a:defRPr>
-            </a:lvl7pPr>
-            <a:lvl8pPr marL="3429000" indent="-228600" algn="l" defTabSz="914400" rtl="0" eaLnBrk="1" latinLnBrk="0" hangingPunct="1">
-              <a:spcBef>
-                <a:spcPct val="20000"/>
-              </a:spcBef>
-              <a:buFont typeface="Arial" panose="020B0604020202090204" pitchFamily="34" charset="0"/>
-              <a:buChar char="•"/>
-              <a:defRPr sz="2000" kern="1200">
-                <a:solidFill>
-                  <a:schemeClr val="tx1"/>
-                </a:solidFill>
-                <a:latin typeface="+mn-lt"/>
-                <a:ea typeface="+mn-ea"/>
-                <a:cs typeface="+mn-cs"/>
-              </a:defRPr>
-            </a:lvl8pPr>
-            <a:lvl9pPr marL="3886200" indent="-228600" algn="l" defTabSz="914400" rtl="0" eaLnBrk="1" latinLnBrk="0" hangingPunct="1">
-              <a:spcBef>
-                <a:spcPct val="20000"/>
-              </a:spcBef>
-              <a:buFont typeface="Arial" panose="020B0604020202090204" pitchFamily="34" charset="0"/>
-              <a:buChar char="•"/>
-              <a:defRPr sz="2000" kern="1200">
-                <a:solidFill>
-                  <a:schemeClr val="tx1"/>
-                </a:solidFill>
-                <a:latin typeface="+mn-lt"/>
-                <a:ea typeface="+mn-ea"/>
-                <a:cs typeface="+mn-cs"/>
-              </a:defRPr>
-            </a:lvl9pPr>
-          </a:lstStyle>
-          <a:p>
-            <a:pPr>
-              <a:spcBef>
-                <a:spcPct val="0"/>
-              </a:spcBef>
-              <a:buFont typeface="Arial" panose="020B0604020202090204" pitchFamily="34" charset="0"/>
-              <a:buNone/>
-            </a:pPr>
-            <a:r>
-              <a:rPr lang="zh-CN" altLang="en-US" sz="1400" dirty="0">
-                <a:solidFill>
-                  <a:schemeClr val="bg1"/>
-                </a:solidFill>
-                <a:latin typeface="Arial" panose="020B0604020202090204" pitchFamily="34" charset="0"/>
-                <a:ea typeface="SimHei" panose="02010609060101010101" pitchFamily="49" charset="-122"/>
-                <a:cs typeface="Arial" panose="020B0604020202090204" pitchFamily="34" charset="0"/>
-              </a:rPr>
-              <a:t>创新</a:t>
-            </a:r>
-            <a:endParaRPr lang="en-US" altLang="zh-CN" sz="1400" dirty="0">
-              <a:solidFill>
-                <a:schemeClr val="bg1"/>
-              </a:solidFill>
-              <a:latin typeface="Arial" panose="020B0604020202090204" pitchFamily="34" charset="0"/>
-              <a:ea typeface="SimHei" panose="02010609060101010101" pitchFamily="49" charset="-122"/>
-              <a:cs typeface="Arial" panose="020B0604020202090204" pitchFamily="34" charset="0"/>
-            </a:endParaRPr>
-          </a:p>
-        </p:txBody>
-      </p:sp>
-      <p:sp>
-        <p:nvSpPr>
-          <p:cNvPr id="14" name="副标题 2"/>
-          <p:cNvSpPr txBox="1"/>
-          <p:nvPr/>
-        </p:nvSpPr>
-        <p:spPr>
-          <a:xfrm>
-            <a:off x="9023089" y="5013176"/>
-            <a:ext cx="555244" cy="230400"/>
-          </a:xfrm>
-          <a:prstGeom prst="rect">
-            <a:avLst/>
-          </a:prstGeom>
-        </p:spPr>
-        <p:txBody>
-          <a:bodyPr vert="horz" lIns="91440" tIns="45720" rIns="91440" bIns="45720" rtlCol="0" anchor="b">
-            <a:noAutofit/>
-          </a:bodyPr>
-          <a:lstStyle>
-            <a:lvl1pPr marL="342900" indent="-342900" algn="l" defTabSz="914400" rtl="0" eaLnBrk="1" latinLnBrk="0" hangingPunct="1">
-              <a:spcBef>
-                <a:spcPct val="20000"/>
-              </a:spcBef>
-              <a:buFont typeface="Arial" panose="020B0604020202090204" pitchFamily="34" charset="0"/>
-              <a:buChar char="•"/>
-              <a:defRPr lang="zh-CN" altLang="en-US" sz="2800" b="1" kern="1200" dirty="0">
-                <a:solidFill>
-                  <a:schemeClr val="tx1"/>
-                </a:solidFill>
-                <a:latin typeface="华文细黑" panose="02010600040101010101" pitchFamily="2" charset="-122"/>
-                <a:ea typeface="华文细黑" panose="02010600040101010101" pitchFamily="2" charset="-122"/>
-                <a:cs typeface="+mj-cs"/>
-              </a:defRPr>
-            </a:lvl1pPr>
-            <a:lvl2pPr marL="742950" indent="-285750" algn="l" defTabSz="914400" rtl="0" eaLnBrk="1" latinLnBrk="0" hangingPunct="1">
-              <a:spcBef>
-                <a:spcPct val="20000"/>
-              </a:spcBef>
-              <a:buFont typeface="Arial" panose="020B0604020202090204" pitchFamily="34" charset="0"/>
-              <a:buChar char="–"/>
-              <a:defRPr sz="2800" kern="1200">
-                <a:solidFill>
-                  <a:schemeClr val="tx1"/>
-                </a:solidFill>
-                <a:latin typeface="+mn-lt"/>
-                <a:ea typeface="+mn-ea"/>
-                <a:cs typeface="+mn-cs"/>
-              </a:defRPr>
-            </a:lvl2pPr>
-            <a:lvl3pPr marL="1143000" indent="-228600" algn="l" defTabSz="914400" rtl="0" eaLnBrk="1" latinLnBrk="0" hangingPunct="1">
-              <a:spcBef>
-                <a:spcPct val="20000"/>
-              </a:spcBef>
-              <a:buFont typeface="Arial" panose="020B0604020202090204" pitchFamily="34" charset="0"/>
-              <a:buChar char="•"/>
-              <a:defRPr sz="2400" kern="1200">
-                <a:solidFill>
-                  <a:schemeClr val="tx1"/>
-                </a:solidFill>
-                <a:latin typeface="+mn-lt"/>
-                <a:ea typeface="+mn-ea"/>
-                <a:cs typeface="+mn-cs"/>
-              </a:defRPr>
-            </a:lvl3pPr>
-            <a:lvl4pPr marL="1600200" indent="-228600" algn="l" defTabSz="914400" rtl="0" eaLnBrk="1" latinLnBrk="0" hangingPunct="1">
-              <a:spcBef>
-                <a:spcPct val="20000"/>
-              </a:spcBef>
-              <a:buFont typeface="Arial" panose="020B0604020202090204" pitchFamily="34" charset="0"/>
-              <a:buChar char="–"/>
-              <a:defRPr sz="2000" kern="1200">
-                <a:solidFill>
-                  <a:schemeClr val="tx1"/>
-                </a:solidFill>
-                <a:latin typeface="+mn-lt"/>
-                <a:ea typeface="+mn-ea"/>
-                <a:cs typeface="+mn-cs"/>
-              </a:defRPr>
-            </a:lvl4pPr>
-            <a:lvl5pPr marL="2057400" indent="-228600" algn="l" defTabSz="914400" rtl="0" eaLnBrk="1" latinLnBrk="0" hangingPunct="1">
-              <a:spcBef>
-                <a:spcPct val="20000"/>
-              </a:spcBef>
-              <a:buFont typeface="Arial" panose="020B0604020202090204" pitchFamily="34" charset="0"/>
-              <a:buChar char="»"/>
-              <a:defRPr sz="2000" kern="1200">
-                <a:solidFill>
-                  <a:schemeClr val="tx1"/>
-                </a:solidFill>
-                <a:latin typeface="+mn-lt"/>
-                <a:ea typeface="+mn-ea"/>
-                <a:cs typeface="+mn-cs"/>
-              </a:defRPr>
-            </a:lvl5pPr>
-            <a:lvl6pPr marL="2514600" indent="-228600" algn="l" defTabSz="914400" rtl="0" eaLnBrk="1" latinLnBrk="0" hangingPunct="1">
-              <a:spcBef>
-                <a:spcPct val="20000"/>
-              </a:spcBef>
-              <a:buFont typeface="Arial" panose="020B0604020202090204" pitchFamily="34" charset="0"/>
-              <a:buChar char="•"/>
-              <a:defRPr sz="2000" kern="1200">
-                <a:solidFill>
-                  <a:schemeClr val="tx1"/>
-                </a:solidFill>
-                <a:latin typeface="+mn-lt"/>
-                <a:ea typeface="+mn-ea"/>
-                <a:cs typeface="+mn-cs"/>
-              </a:defRPr>
-            </a:lvl6pPr>
-            <a:lvl7pPr marL="2971800" indent="-228600" algn="l" defTabSz="914400" rtl="0" eaLnBrk="1" latinLnBrk="0" hangingPunct="1">
-              <a:spcBef>
-                <a:spcPct val="20000"/>
-              </a:spcBef>
-              <a:buFont typeface="Arial" panose="020B0604020202090204" pitchFamily="34" charset="0"/>
-              <a:buChar char="•"/>
-              <a:defRPr sz="2000" kern="1200">
-                <a:solidFill>
-                  <a:schemeClr val="tx1"/>
-                </a:solidFill>
-                <a:latin typeface="+mn-lt"/>
-                <a:ea typeface="+mn-ea"/>
-                <a:cs typeface="+mn-cs"/>
-              </a:defRPr>
-            </a:lvl7pPr>
-            <a:lvl8pPr marL="3429000" indent="-228600" algn="l" defTabSz="914400" rtl="0" eaLnBrk="1" latinLnBrk="0" hangingPunct="1">
-              <a:spcBef>
-                <a:spcPct val="20000"/>
-              </a:spcBef>
-              <a:buFont typeface="Arial" panose="020B0604020202090204" pitchFamily="34" charset="0"/>
-              <a:buChar char="•"/>
-              <a:defRPr sz="2000" kern="1200">
-                <a:solidFill>
-                  <a:schemeClr val="tx1"/>
-                </a:solidFill>
-                <a:latin typeface="+mn-lt"/>
-                <a:ea typeface="+mn-ea"/>
-                <a:cs typeface="+mn-cs"/>
-              </a:defRPr>
-            </a:lvl8pPr>
-            <a:lvl9pPr marL="3886200" indent="-228600" algn="l" defTabSz="914400" rtl="0" eaLnBrk="1" latinLnBrk="0" hangingPunct="1">
-              <a:spcBef>
-                <a:spcPct val="20000"/>
-              </a:spcBef>
-              <a:buFont typeface="Arial" panose="020B0604020202090204" pitchFamily="34" charset="0"/>
-              <a:buChar char="•"/>
-              <a:defRPr sz="2000" kern="1200">
-                <a:solidFill>
-                  <a:schemeClr val="tx1"/>
-                </a:solidFill>
-                <a:latin typeface="+mn-lt"/>
-                <a:ea typeface="+mn-ea"/>
-                <a:cs typeface="+mn-cs"/>
-              </a:defRPr>
-            </a:lvl9pPr>
-          </a:lstStyle>
-          <a:p>
-            <a:pPr>
-              <a:spcBef>
-                <a:spcPct val="0"/>
-              </a:spcBef>
-              <a:buFont typeface="Arial" panose="020B0604020202090204" pitchFamily="34" charset="0"/>
-              <a:buNone/>
-            </a:pPr>
-            <a:r>
-              <a:rPr sz="1400" dirty="0">
-                <a:solidFill>
-                  <a:schemeClr val="bg1"/>
-                </a:solidFill>
-                <a:latin typeface="Arial" panose="020B0604020202090204" pitchFamily="34" charset="0"/>
-                <a:ea typeface="SimHei" panose="02010609060101010101" pitchFamily="49" charset="-122"/>
-                <a:cs typeface="Arial" panose="020B0604020202090204" pitchFamily="34" charset="0"/>
-              </a:rPr>
-              <a:t>专注</a:t>
-            </a:r>
-          </a:p>
-        </p:txBody>
-      </p:sp>
       <p:sp>
         <p:nvSpPr>
           <p:cNvPr id="7" name="标题 3"/>
@@ -4256,25 +5852,6 @@
               <a:rPr lang="zh-CN" altLang="en-US" sz="6000" dirty="0"/>
               <a:t>感谢！</a:t>
             </a:r>
-          </a:p>
-        </p:txBody>
-      </p:sp>
-      <p:sp>
-        <p:nvSpPr>
-          <p:cNvPr id="4" name="标题 3"/>
-          <p:cNvSpPr>
-            <a:spLocks noGrp="1"/>
-          </p:cNvSpPr>
-          <p:nvPr>
-            <p:ph type="title"/>
-          </p:nvPr>
-        </p:nvSpPr>
-        <p:spPr/>
-        <p:txBody>
-          <a:bodyPr/>
-          <a:lstStyle/>
-          <a:p>
-            <a:endParaRPr lang="zh-CN" altLang="en-US" dirty="0"/>
           </a:p>
         </p:txBody>
       </p:sp>
@@ -4348,14 +5925,11 @@
           <a:p>
             <a:pPr lvl="0"/>
             <a:r>
-              <a:rPr lang="zh-CN" altLang="en-US">
+              <a:rPr lang="zh-CN" altLang="en-US" dirty="0">
                 <a:sym typeface="+mn-ea"/>
               </a:rPr>
               <a:t>目录</a:t>
             </a:r>
-            <a:endParaRPr lang="zh-CN" altLang="en-US" dirty="0">
-              <a:sym typeface="+mn-ea"/>
-            </a:endParaRPr>
           </a:p>
         </p:txBody>
       </p:sp>
@@ -6345,25 +7919,6 @@
       </p:grpSpPr>
       <p:sp>
         <p:nvSpPr>
-          <p:cNvPr id="2" name="标题 1"/>
-          <p:cNvSpPr>
-            <a:spLocks noGrp="1"/>
-          </p:cNvSpPr>
-          <p:nvPr>
-            <p:ph type="title"/>
-          </p:nvPr>
-        </p:nvSpPr>
-        <p:spPr/>
-        <p:txBody>
-          <a:bodyPr/>
-          <a:lstStyle/>
-          <a:p>
-            <a:endParaRPr lang="zh-CN" altLang="en-US" dirty="0"/>
-          </a:p>
-        </p:txBody>
-      </p:sp>
-      <p:sp>
-        <p:nvSpPr>
           <p:cNvPr id="3" name="灯片编号占位符 2"/>
           <p:cNvSpPr>
             <a:spLocks noGrp="1"/>
@@ -10440,25 +11995,6 @@
       </p:grpSpPr>
       <p:sp>
         <p:nvSpPr>
-          <p:cNvPr id="2" name="标题 1"/>
-          <p:cNvSpPr>
-            <a:spLocks noGrp="1"/>
-          </p:cNvSpPr>
-          <p:nvPr>
-            <p:ph type="title"/>
-          </p:nvPr>
-        </p:nvSpPr>
-        <p:spPr/>
-        <p:txBody>
-          <a:bodyPr/>
-          <a:lstStyle/>
-          <a:p>
-            <a:endParaRPr lang="zh-CN" altLang="en-US"/>
-          </a:p>
-        </p:txBody>
-      </p:sp>
-      <p:sp>
-        <p:nvSpPr>
           <p:cNvPr id="3" name="灯片编号占位符 2"/>
           <p:cNvSpPr>
             <a:spLocks noGrp="1"/>
@@ -11776,9 +13312,9 @@
 </file>
 
 <file path=ppt/theme/theme1.xml><?xml version="1.0" encoding="utf-8"?>
-<a:theme xmlns:a="http://schemas.openxmlformats.org/drawingml/2006/main" name="1_Office 主题​​">
+<a:theme xmlns:a="http://schemas.openxmlformats.org/drawingml/2006/main" name="画廊">
   <a:themeElements>
-    <a:clrScheme name="Office 主题">
+    <a:clrScheme name="画廊">
       <a:dk1>
         <a:sysClr val="windowText" lastClr="000000"/>
       </a:dk1>
@@ -11786,48 +13322,83 @@
         <a:sysClr val="window" lastClr="FFFFFF"/>
       </a:lt1>
       <a:dk2>
-        <a:srgbClr val="44546A"/>
+        <a:srgbClr val="454545"/>
       </a:dk2>
       <a:lt2>
-        <a:srgbClr val="E7E6E6"/>
+        <a:srgbClr val="DFDBD5"/>
       </a:lt2>
       <a:accent1>
-        <a:srgbClr val="5B9BD5"/>
+        <a:srgbClr val="B71E42"/>
       </a:accent1>
       <a:accent2>
-        <a:srgbClr val="ED7D31"/>
+        <a:srgbClr val="DE478E"/>
       </a:accent2>
       <a:accent3>
-        <a:srgbClr val="A5A5A5"/>
+        <a:srgbClr val="BC72F0"/>
       </a:accent3>
       <a:accent4>
-        <a:srgbClr val="FFC000"/>
+        <a:srgbClr val="795FAF"/>
       </a:accent4>
       <a:accent5>
-        <a:srgbClr val="4472C4"/>
+        <a:srgbClr val="586EA6"/>
       </a:accent5>
       <a:accent6>
-        <a:srgbClr val="70AD47"/>
+        <a:srgbClr val="6892A0"/>
       </a:accent6>
       <a:hlink>
-        <a:srgbClr val="0563C1"/>
+        <a:srgbClr val="FA2B5C"/>
       </a:hlink>
       <a:folHlink>
-        <a:srgbClr val="954F72"/>
+        <a:srgbClr val="BC658E"/>
       </a:folHlink>
     </a:clrScheme>
-    <a:fontScheme name="视点">
+    <a:fontScheme name="画廊">
       <a:majorFont>
-        <a:latin typeface="Verdana"/>
+        <a:latin typeface="Gill Sans MT" panose="020B0502020104020203"/>
         <a:ea typeface=""/>
         <a:cs typeface=""/>
-        <a:font script="Jpan" typeface="ＭＳ ゴシック"/>
-        <a:font script="Hang" typeface="굴림"/>
-        <a:font script="Hans" typeface="微软雅黑"/>
-        <a:font script="Hant" typeface="微軟正黑體"/>
-        <a:font script="Arab" typeface="Tahoma"/>
-        <a:font script="Hebr" typeface="Tahoma"/>
-        <a:font script="Thai" typeface="FreesiaUPC"/>
+        <a:font script="Jpan" typeface="游ゴシック Light"/>
+        <a:font script="Hang" typeface="맑은 고딕"/>
+        <a:font script="Hans" typeface="等线 Light"/>
+        <a:font script="Hant" typeface="新細明體"/>
+        <a:font script="Arab" typeface="Times New Roman"/>
+        <a:font script="Hebr" typeface="Times New Roman"/>
+        <a:font script="Thai" typeface="Angsana New"/>
+        <a:font script="Ethi" typeface="Nyala"/>
+        <a:font script="Beng" typeface="Vrinda"/>
+        <a:font script="Gujr" typeface="Shruti"/>
+        <a:font script="Khmr" typeface="MoolBoran"/>
+        <a:font script="Knda" typeface="Tunga"/>
+        <a:font script="Guru" typeface="Raavi"/>
+        <a:font script="Cans" typeface="Euphemia"/>
+        <a:font script="Cher" typeface="Plantagenet Cherokee"/>
+        <a:font script="Yiii" typeface="Microsoft Yi Baiti"/>
+        <a:font script="Tibt" typeface="Microsoft Himalaya"/>
+        <a:font script="Thaa" typeface="MV Boli"/>
+        <a:font script="Deva" typeface="Mangal"/>
+        <a:font script="Telu" typeface="Gautami"/>
+        <a:font script="Taml" typeface="Latha"/>
+        <a:font script="Syrc" typeface="Estrangelo Edessa"/>
+        <a:font script="Orya" typeface="Kalinga"/>
+        <a:font script="Mlym" typeface="Kartika"/>
+        <a:font script="Laoo" typeface="DokChampa"/>
+        <a:font script="Sinh" typeface="Iskoola Pota"/>
+        <a:font script="Mong" typeface="Mongolian Baiti"/>
+        <a:font script="Viet" typeface="Times New Roman"/>
+        <a:font script="Uigh" typeface="Microsoft Uighur"/>
+        <a:font script="Geor" typeface="Sylfaen"/>
+      </a:majorFont>
+      <a:minorFont>
+        <a:latin typeface="Gill Sans MT" panose="020B0502020104020203"/>
+        <a:ea typeface=""/>
+        <a:cs typeface=""/>
+        <a:font script="Jpan" typeface="游ゴシック"/>
+        <a:font script="Hang" typeface="맑은 고딕"/>
+        <a:font script="Hans" typeface="等线"/>
+        <a:font script="Hant" typeface="新細明體"/>
+        <a:font script="Arab" typeface="Arial"/>
+        <a:font script="Hebr" typeface="Arial"/>
+        <a:font script="Thai" typeface="Cordia New"/>
         <a:font script="Ethi" typeface="Nyala"/>
         <a:font script="Beng" typeface="Vrinda"/>
         <a:font script="Gujr" typeface="Shruti"/>
@@ -11848,47 +13419,12 @@
         <a:font script="Laoo" typeface="DokChampa"/>
         <a:font script="Sinh" typeface="Iskoola Pota"/>
         <a:font script="Mong" typeface="Mongolian Baiti"/>
-        <a:font script="Viet" typeface="Verdana"/>
-        <a:font script="Uigh" typeface="Microsoft Uighur"/>
-        <a:font script="Geor" typeface="Sylfaen"/>
-      </a:majorFont>
-      <a:minorFont>
-        <a:latin typeface="Verdana"/>
-        <a:ea typeface=""/>
-        <a:cs typeface=""/>
-        <a:font script="Jpan" typeface="ＭＳ ゴシック"/>
-        <a:font script="Hang" typeface="굴림"/>
-        <a:font script="Hans" typeface="微软雅黑"/>
-        <a:font script="Hant" typeface="微軟正黑體"/>
-        <a:font script="Arab" typeface="Tahoma"/>
-        <a:font script="Hebr" typeface="Tahoma"/>
-        <a:font script="Thai" typeface="FreesiaUPC"/>
-        <a:font script="Ethi" typeface="Nyala"/>
-        <a:font script="Beng" typeface="Vrinda"/>
-        <a:font script="Gujr" typeface="Shruti"/>
-        <a:font script="Khmr" typeface="DaunPenh"/>
-        <a:font script="Knda" typeface="Tunga"/>
-        <a:font script="Guru" typeface="Raavi"/>
-        <a:font script="Cans" typeface="Euphemia"/>
-        <a:font script="Cher" typeface="Plantagenet Cherokee"/>
-        <a:font script="Yiii" typeface="Microsoft Yi Baiti"/>
-        <a:font script="Tibt" typeface="Microsoft Himalaya"/>
-        <a:font script="Thaa" typeface="MV Boli"/>
-        <a:font script="Deva" typeface="Mangal"/>
-        <a:font script="Telu" typeface="Gautami"/>
-        <a:font script="Taml" typeface="Latha"/>
-        <a:font script="Syrc" typeface="Estrangelo Edessa"/>
-        <a:font script="Orya" typeface="Kalinga"/>
-        <a:font script="Mlym" typeface="Kartika"/>
-        <a:font script="Laoo" typeface="DokChampa"/>
-        <a:font script="Sinh" typeface="Iskoola Pota"/>
-        <a:font script="Mong" typeface="Mongolian Baiti"/>
-        <a:font script="Viet" typeface="Verdana"/>
+        <a:font script="Viet" typeface="Arial"/>
         <a:font script="Uigh" typeface="Microsoft Uighur"/>
         <a:font script="Geor" typeface="Sylfaen"/>
       </a:minorFont>
     </a:fontScheme>
-    <a:fmtScheme name="Office 主题">
+    <a:fmtScheme name="画廊">
       <a:fillStyleLst>
         <a:solidFill>
           <a:schemeClr val="phClr"/>
@@ -11897,23 +13433,18 @@
           <a:gsLst>
             <a:gs pos="0">
               <a:schemeClr val="phClr">
+                <a:tint val="54000"/>
+                <a:alpha val="100000"/>
+                <a:satMod val="105000"/>
                 <a:lumMod val="110000"/>
-                <a:satMod val="105000"/>
-                <a:tint val="67000"/>
-              </a:schemeClr>
-            </a:gs>
-            <a:gs pos="50000">
-              <a:schemeClr val="phClr">
-                <a:lumMod val="105000"/>
-                <a:satMod val="103000"/>
-                <a:tint val="73000"/>
               </a:schemeClr>
             </a:gs>
             <a:gs pos="100000">
               <a:schemeClr val="phClr">
-                <a:lumMod val="105000"/>
+                <a:tint val="78000"/>
+                <a:alpha val="92000"/>
                 <a:satMod val="109000"/>
-                <a:tint val="81000"/>
+                <a:lumMod val="100000"/>
               </a:schemeClr>
             </a:gs>
           </a:gsLst>
@@ -11923,23 +13454,23 @@
           <a:gsLst>
             <a:gs pos="0">
               <a:schemeClr val="phClr">
-                <a:satMod val="103000"/>
-                <a:lumMod val="102000"/>
-                <a:tint val="94000"/>
+                <a:tint val="98000"/>
+                <a:satMod val="110000"/>
+                <a:lumMod val="104000"/>
               </a:schemeClr>
             </a:gs>
-            <a:gs pos="50000">
+            <a:gs pos="69000">
               <a:schemeClr val="phClr">
-                <a:satMod val="110000"/>
-                <a:lumMod val="100000"/>
-                <a:shade val="100000"/>
+                <a:shade val="88000"/>
+                <a:satMod val="130000"/>
+                <a:lumMod val="92000"/>
               </a:schemeClr>
             </a:gs>
             <a:gs pos="100000">
               <a:schemeClr val="phClr">
-                <a:lumMod val="99000"/>
-                <a:satMod val="120000"/>
                 <a:shade val="78000"/>
+                <a:satMod val="130000"/>
+                <a:lumMod val="92000"/>
               </a:schemeClr>
             </a:gs>
           </a:gsLst>
@@ -11947,26 +13478,23 @@
         </a:gradFill>
       </a:fillStyleLst>
       <a:lnStyleLst>
-        <a:ln w="6350" cap="flat" cmpd="sng" algn="ctr">
+        <a:ln w="9525" cap="flat" cmpd="sng" algn="ctr">
           <a:solidFill>
             <a:schemeClr val="phClr"/>
           </a:solidFill>
           <a:prstDash val="solid"/>
-          <a:miter lim="800000"/>
         </a:ln>
-        <a:ln w="12700" cap="flat" cmpd="sng" algn="ctr">
+        <a:ln w="15875" cap="flat" cmpd="sng" algn="ctr">
           <a:solidFill>
             <a:schemeClr val="phClr"/>
           </a:solidFill>
           <a:prstDash val="solid"/>
-          <a:miter lim="800000"/>
         </a:ln>
-        <a:ln w="19050" cap="flat" cmpd="sng" algn="ctr">
+        <a:ln w="22225" cap="flat" cmpd="sng" algn="ctr">
           <a:solidFill>
             <a:schemeClr val="phClr"/>
           </a:solidFill>
           <a:prstDash val="solid"/>
-          <a:miter lim="800000"/>
         </a:ln>
       </a:lnStyleLst>
       <a:effectStyleLst>
@@ -11978,12 +13506,23 @@
         </a:effectStyle>
         <a:effectStyle>
           <a:effectLst>
-            <a:outerShdw blurRad="57150" dist="19050" dir="5400000" algn="ctr" rotWithShape="0">
+            <a:outerShdw blurRad="50800" dist="50800" dir="5400000" sx="96000" sy="96000" rotWithShape="0">
               <a:srgbClr val="000000">
-                <a:alpha val="63000"/>
+                <a:alpha val="48000"/>
               </a:srgbClr>
             </a:outerShdw>
           </a:effectLst>
+          <a:scene3d>
+            <a:camera prst="orthographicFront">
+              <a:rot lat="0" lon="0" rev="0"/>
+            </a:camera>
+            <a:lightRig rig="balanced" dir="t">
+              <a:rot lat="0" lon="0" rev="1080000"/>
+            </a:lightRig>
+          </a:scene3d>
+          <a:sp3d>
+            <a:bevelT w="38100" h="12700" prst="softRound"/>
+          </a:sp3d>
         </a:effectStyle>
       </a:effectStyleLst>
       <a:bgFillStyleLst>
@@ -11991,37 +13530,26 @@
           <a:schemeClr val="phClr"/>
         </a:solidFill>
         <a:solidFill>
-          <a:schemeClr val="phClr">
-            <a:tint val="95000"/>
-            <a:satMod val="170000"/>
-          </a:schemeClr>
+          <a:schemeClr val="phClr"/>
         </a:solidFill>
         <a:gradFill rotWithShape="1">
           <a:gsLst>
             <a:gs pos="0">
               <a:schemeClr val="phClr">
-                <a:tint val="93000"/>
-                <a:satMod val="150000"/>
-                <a:shade val="98000"/>
-                <a:lumMod val="102000"/>
-              </a:schemeClr>
-            </a:gs>
-            <a:gs pos="50000">
-              <a:schemeClr val="phClr">
-                <a:tint val="98000"/>
-                <a:satMod val="130000"/>
-                <a:shade val="90000"/>
-                <a:lumMod val="103000"/>
+                <a:tint val="94000"/>
+                <a:satMod val="80000"/>
+                <a:lumMod val="106000"/>
               </a:schemeClr>
             </a:gs>
             <a:gs pos="100000">
               <a:schemeClr val="phClr">
-                <a:shade val="63000"/>
-                <a:satMod val="120000"/>
+                <a:shade val="80000"/>
               </a:schemeClr>
             </a:gs>
           </a:gsLst>
-          <a:lin ang="5400000" scaled="0"/>
+          <a:path path="circle">
+            <a:fillToRect l="43000" r="43000" b="100000"/>
+          </a:path>
         </a:gradFill>
       </a:bgFillStyleLst>
     </a:fmtScheme>
@@ -12030,7 +13558,7 @@
   <a:extraClrSchemeLst/>
   <a:extLst>
     <a:ext uri="{05A4C25C-085E-4340-85A3-A5531E510DB2}">
-      <thm15:themeFamily xmlns:thm15="http://schemas.microsoft.com/office/thememl/2012/main" name="Office Theme" id="{62F939B6-93AF-4DB8-9C6B-D6C7DFDC589F}" vid="{4A3C46E8-61CC-4603-A589-7422A47A8E4A}"/>
+      <thm15:themeFamily xmlns:thm15="http://schemas.microsoft.com/office/thememl/2012/main" name="Gallery" id="{BBFCD31E-59A1-489D-B089-A3EAD7CAE12E}" vid="{F5E91637-A7B6-4E27-B710-77DA7014EE1E}"/>
     </a:ext>
   </a:extLst>
 </a:theme>
